--- a/Instructions_Pictures/Digitnew/DigitInstTomerOmer.pptx
+++ b/Instructions_Pictures/Digitnew/DigitInstTomerOmer.pptx
@@ -11,6 +11,7 @@
     <p:sldId id="261" r:id="rId5"/>
     <p:sldId id="264" r:id="rId6"/>
     <p:sldId id="263" r:id="rId7"/>
+    <p:sldId id="265" r:id="rId8"/>
   </p:sldIdLst>
   <p:sldSz cx="12192000" cy="6858000"/>
   <p:notesSz cx="6858000" cy="9144000"/>
@@ -159,7 +160,7 @@
           </a:lstStyle>
           <a:p>
             <a:r>
-              <a:rPr lang="en-US" smtClean="0"/>
+              <a:rPr lang="en-US"/>
               <a:t>Click to edit Master title style</a:t>
             </a:r>
             <a:endParaRPr lang="he-IL"/>
@@ -224,7 +225,7 @@
           </a:lstStyle>
           <a:p>
             <a:r>
-              <a:rPr lang="en-US" smtClean="0"/>
+              <a:rPr lang="en-US"/>
               <a:t>Click to edit Master subtitle style</a:t>
             </a:r>
             <a:endParaRPr lang="he-IL"/>
@@ -248,7 +249,7 @@
           <a:p>
             <a:fld id="{4476BBAF-3BF1-4078-A5DF-44D473DCBE61}" type="datetimeFigureOut">
               <a:rPr lang="he-IL" smtClean="0"/>
-              <a:t>כ"ט/שבט/תש"פ</a:t>
+              <a:t>כ'/אדר/תש"ף</a:t>
             </a:fld>
             <a:endParaRPr lang="he-IL"/>
           </a:p>
@@ -342,7 +343,7 @@
           <a:lstStyle/>
           <a:p>
             <a:r>
-              <a:rPr lang="en-US" smtClean="0"/>
+              <a:rPr lang="en-US"/>
               <a:t>Click to edit Master title style</a:t>
             </a:r>
             <a:endParaRPr lang="he-IL"/>
@@ -366,35 +367,35 @@
           <a:p>
             <a:pPr lvl="0"/>
             <a:r>
-              <a:rPr lang="en-US" smtClean="0"/>
+              <a:rPr lang="en-US"/>
               <a:t>Edit Master text styles</a:t>
             </a:r>
           </a:p>
           <a:p>
             <a:pPr lvl="1"/>
             <a:r>
-              <a:rPr lang="en-US" smtClean="0"/>
+              <a:rPr lang="en-US"/>
               <a:t>Second level</a:t>
             </a:r>
           </a:p>
           <a:p>
             <a:pPr lvl="2"/>
             <a:r>
-              <a:rPr lang="en-US" smtClean="0"/>
+              <a:rPr lang="en-US"/>
               <a:t>Third level</a:t>
             </a:r>
           </a:p>
           <a:p>
             <a:pPr lvl="3"/>
             <a:r>
-              <a:rPr lang="en-US" smtClean="0"/>
+              <a:rPr lang="en-US"/>
               <a:t>Fourth level</a:t>
             </a:r>
           </a:p>
           <a:p>
             <a:pPr lvl="4"/>
             <a:r>
-              <a:rPr lang="en-US" smtClean="0"/>
+              <a:rPr lang="en-US"/>
               <a:t>Fifth level</a:t>
             </a:r>
             <a:endParaRPr lang="he-IL"/>
@@ -418,7 +419,7 @@
           <a:p>
             <a:fld id="{4476BBAF-3BF1-4078-A5DF-44D473DCBE61}" type="datetimeFigureOut">
               <a:rPr lang="he-IL" smtClean="0"/>
-              <a:t>כ"ט/שבט/תש"פ</a:t>
+              <a:t>כ'/אדר/תש"ף</a:t>
             </a:fld>
             <a:endParaRPr lang="he-IL"/>
           </a:p>
@@ -517,7 +518,7 @@
           <a:lstStyle/>
           <a:p>
             <a:r>
-              <a:rPr lang="en-US" smtClean="0"/>
+              <a:rPr lang="en-US"/>
               <a:t>Click to edit Master title style</a:t>
             </a:r>
             <a:endParaRPr lang="he-IL"/>
@@ -546,35 +547,35 @@
           <a:p>
             <a:pPr lvl="0"/>
             <a:r>
-              <a:rPr lang="en-US" smtClean="0"/>
+              <a:rPr lang="en-US"/>
               <a:t>Edit Master text styles</a:t>
             </a:r>
           </a:p>
           <a:p>
             <a:pPr lvl="1"/>
             <a:r>
-              <a:rPr lang="en-US" smtClean="0"/>
+              <a:rPr lang="en-US"/>
               <a:t>Second level</a:t>
             </a:r>
           </a:p>
           <a:p>
             <a:pPr lvl="2"/>
             <a:r>
-              <a:rPr lang="en-US" smtClean="0"/>
+              <a:rPr lang="en-US"/>
               <a:t>Third level</a:t>
             </a:r>
           </a:p>
           <a:p>
             <a:pPr lvl="3"/>
             <a:r>
-              <a:rPr lang="en-US" smtClean="0"/>
+              <a:rPr lang="en-US"/>
               <a:t>Fourth level</a:t>
             </a:r>
           </a:p>
           <a:p>
             <a:pPr lvl="4"/>
             <a:r>
-              <a:rPr lang="en-US" smtClean="0"/>
+              <a:rPr lang="en-US"/>
               <a:t>Fifth level</a:t>
             </a:r>
             <a:endParaRPr lang="he-IL"/>
@@ -598,7 +599,7 @@
           <a:p>
             <a:fld id="{4476BBAF-3BF1-4078-A5DF-44D473DCBE61}" type="datetimeFigureOut">
               <a:rPr lang="he-IL" smtClean="0"/>
-              <a:t>כ"ט/שבט/תש"פ</a:t>
+              <a:t>כ'/אדר/תש"ף</a:t>
             </a:fld>
             <a:endParaRPr lang="he-IL"/>
           </a:p>
@@ -692,7 +693,7 @@
           <a:lstStyle/>
           <a:p>
             <a:r>
-              <a:rPr lang="en-US" smtClean="0"/>
+              <a:rPr lang="en-US"/>
               <a:t>Click to edit Master title style</a:t>
             </a:r>
             <a:endParaRPr lang="he-IL"/>
@@ -716,35 +717,35 @@
           <a:p>
             <a:pPr lvl="0"/>
             <a:r>
-              <a:rPr lang="en-US" smtClean="0"/>
+              <a:rPr lang="en-US"/>
               <a:t>Edit Master text styles</a:t>
             </a:r>
           </a:p>
           <a:p>
             <a:pPr lvl="1"/>
             <a:r>
-              <a:rPr lang="en-US" smtClean="0"/>
+              <a:rPr lang="en-US"/>
               <a:t>Second level</a:t>
             </a:r>
           </a:p>
           <a:p>
             <a:pPr lvl="2"/>
             <a:r>
-              <a:rPr lang="en-US" smtClean="0"/>
+              <a:rPr lang="en-US"/>
               <a:t>Third level</a:t>
             </a:r>
           </a:p>
           <a:p>
             <a:pPr lvl="3"/>
             <a:r>
-              <a:rPr lang="en-US" smtClean="0"/>
+              <a:rPr lang="en-US"/>
               <a:t>Fourth level</a:t>
             </a:r>
           </a:p>
           <a:p>
             <a:pPr lvl="4"/>
             <a:r>
-              <a:rPr lang="en-US" smtClean="0"/>
+              <a:rPr lang="en-US"/>
               <a:t>Fifth level</a:t>
             </a:r>
             <a:endParaRPr lang="he-IL"/>
@@ -768,7 +769,7 @@
           <a:p>
             <a:fld id="{4476BBAF-3BF1-4078-A5DF-44D473DCBE61}" type="datetimeFigureOut">
               <a:rPr lang="he-IL" smtClean="0"/>
-              <a:t>כ"ט/שבט/תש"פ</a:t>
+              <a:t>כ'/אדר/תש"ף</a:t>
             </a:fld>
             <a:endParaRPr lang="he-IL"/>
           </a:p>
@@ -871,7 +872,7 @@
           </a:lstStyle>
           <a:p>
             <a:r>
-              <a:rPr lang="en-US" smtClean="0"/>
+              <a:rPr lang="en-US"/>
               <a:t>Click to edit Master title style</a:t>
             </a:r>
             <a:endParaRPr lang="he-IL"/>
@@ -991,7 +992,7 @@
           <a:p>
             <a:pPr lvl="0"/>
             <a:r>
-              <a:rPr lang="en-US" smtClean="0"/>
+              <a:rPr lang="en-US"/>
               <a:t>Edit Master text styles</a:t>
             </a:r>
           </a:p>
@@ -1014,7 +1015,7 @@
           <a:p>
             <a:fld id="{4476BBAF-3BF1-4078-A5DF-44D473DCBE61}" type="datetimeFigureOut">
               <a:rPr lang="he-IL" smtClean="0"/>
-              <a:t>כ"ט/שבט/תש"פ</a:t>
+              <a:t>כ'/אדר/תש"ף</a:t>
             </a:fld>
             <a:endParaRPr lang="he-IL"/>
           </a:p>
@@ -1108,7 +1109,7 @@
           <a:lstStyle/>
           <a:p>
             <a:r>
-              <a:rPr lang="en-US" smtClean="0"/>
+              <a:rPr lang="en-US"/>
               <a:t>Click to edit Master title style</a:t>
             </a:r>
             <a:endParaRPr lang="he-IL"/>
@@ -1137,35 +1138,35 @@
           <a:p>
             <a:pPr lvl="0"/>
             <a:r>
-              <a:rPr lang="en-US" smtClean="0"/>
+              <a:rPr lang="en-US"/>
               <a:t>Edit Master text styles</a:t>
             </a:r>
           </a:p>
           <a:p>
             <a:pPr lvl="1"/>
             <a:r>
-              <a:rPr lang="en-US" smtClean="0"/>
+              <a:rPr lang="en-US"/>
               <a:t>Second level</a:t>
             </a:r>
           </a:p>
           <a:p>
             <a:pPr lvl="2"/>
             <a:r>
-              <a:rPr lang="en-US" smtClean="0"/>
+              <a:rPr lang="en-US"/>
               <a:t>Third level</a:t>
             </a:r>
           </a:p>
           <a:p>
             <a:pPr lvl="3"/>
             <a:r>
-              <a:rPr lang="en-US" smtClean="0"/>
+              <a:rPr lang="en-US"/>
               <a:t>Fourth level</a:t>
             </a:r>
           </a:p>
           <a:p>
             <a:pPr lvl="4"/>
             <a:r>
-              <a:rPr lang="en-US" smtClean="0"/>
+              <a:rPr lang="en-US"/>
               <a:t>Fifth level</a:t>
             </a:r>
             <a:endParaRPr lang="he-IL"/>
@@ -1194,35 +1195,35 @@
           <a:p>
             <a:pPr lvl="0"/>
             <a:r>
-              <a:rPr lang="en-US" smtClean="0"/>
+              <a:rPr lang="en-US"/>
               <a:t>Edit Master text styles</a:t>
             </a:r>
           </a:p>
           <a:p>
             <a:pPr lvl="1"/>
             <a:r>
-              <a:rPr lang="en-US" smtClean="0"/>
+              <a:rPr lang="en-US"/>
               <a:t>Second level</a:t>
             </a:r>
           </a:p>
           <a:p>
             <a:pPr lvl="2"/>
             <a:r>
-              <a:rPr lang="en-US" smtClean="0"/>
+              <a:rPr lang="en-US"/>
               <a:t>Third level</a:t>
             </a:r>
           </a:p>
           <a:p>
             <a:pPr lvl="3"/>
             <a:r>
-              <a:rPr lang="en-US" smtClean="0"/>
+              <a:rPr lang="en-US"/>
               <a:t>Fourth level</a:t>
             </a:r>
           </a:p>
           <a:p>
             <a:pPr lvl="4"/>
             <a:r>
-              <a:rPr lang="en-US" smtClean="0"/>
+              <a:rPr lang="en-US"/>
               <a:t>Fifth level</a:t>
             </a:r>
             <a:endParaRPr lang="he-IL"/>
@@ -1246,7 +1247,7 @@
           <a:p>
             <a:fld id="{4476BBAF-3BF1-4078-A5DF-44D473DCBE61}" type="datetimeFigureOut">
               <a:rPr lang="he-IL" smtClean="0"/>
-              <a:t>כ"ט/שבט/תש"פ</a:t>
+              <a:t>כ'/אדר/תש"ף</a:t>
             </a:fld>
             <a:endParaRPr lang="he-IL"/>
           </a:p>
@@ -1345,7 +1346,7 @@
           <a:lstStyle/>
           <a:p>
             <a:r>
-              <a:rPr lang="en-US" smtClean="0"/>
+              <a:rPr lang="en-US"/>
               <a:t>Click to edit Master title style</a:t>
             </a:r>
             <a:endParaRPr lang="he-IL"/>
@@ -1411,7 +1412,7 @@
           <a:p>
             <a:pPr lvl="0"/>
             <a:r>
-              <a:rPr lang="en-US" smtClean="0"/>
+              <a:rPr lang="en-US"/>
               <a:t>Edit Master text styles</a:t>
             </a:r>
           </a:p>
@@ -1439,35 +1440,35 @@
           <a:p>
             <a:pPr lvl="0"/>
             <a:r>
-              <a:rPr lang="en-US" smtClean="0"/>
+              <a:rPr lang="en-US"/>
               <a:t>Edit Master text styles</a:t>
             </a:r>
           </a:p>
           <a:p>
             <a:pPr lvl="1"/>
             <a:r>
-              <a:rPr lang="en-US" smtClean="0"/>
+              <a:rPr lang="en-US"/>
               <a:t>Second level</a:t>
             </a:r>
           </a:p>
           <a:p>
             <a:pPr lvl="2"/>
             <a:r>
-              <a:rPr lang="en-US" smtClean="0"/>
+              <a:rPr lang="en-US"/>
               <a:t>Third level</a:t>
             </a:r>
           </a:p>
           <a:p>
             <a:pPr lvl="3"/>
             <a:r>
-              <a:rPr lang="en-US" smtClean="0"/>
+              <a:rPr lang="en-US"/>
               <a:t>Fourth level</a:t>
             </a:r>
           </a:p>
           <a:p>
             <a:pPr lvl="4"/>
             <a:r>
-              <a:rPr lang="en-US" smtClean="0"/>
+              <a:rPr lang="en-US"/>
               <a:t>Fifth level</a:t>
             </a:r>
             <a:endParaRPr lang="he-IL"/>
@@ -1533,7 +1534,7 @@
           <a:p>
             <a:pPr lvl="0"/>
             <a:r>
-              <a:rPr lang="en-US" smtClean="0"/>
+              <a:rPr lang="en-US"/>
               <a:t>Edit Master text styles</a:t>
             </a:r>
           </a:p>
@@ -1561,35 +1562,35 @@
           <a:p>
             <a:pPr lvl="0"/>
             <a:r>
-              <a:rPr lang="en-US" smtClean="0"/>
+              <a:rPr lang="en-US"/>
               <a:t>Edit Master text styles</a:t>
             </a:r>
           </a:p>
           <a:p>
             <a:pPr lvl="1"/>
             <a:r>
-              <a:rPr lang="en-US" smtClean="0"/>
+              <a:rPr lang="en-US"/>
               <a:t>Second level</a:t>
             </a:r>
           </a:p>
           <a:p>
             <a:pPr lvl="2"/>
             <a:r>
-              <a:rPr lang="en-US" smtClean="0"/>
+              <a:rPr lang="en-US"/>
               <a:t>Third level</a:t>
             </a:r>
           </a:p>
           <a:p>
             <a:pPr lvl="3"/>
             <a:r>
-              <a:rPr lang="en-US" smtClean="0"/>
+              <a:rPr lang="en-US"/>
               <a:t>Fourth level</a:t>
             </a:r>
           </a:p>
           <a:p>
             <a:pPr lvl="4"/>
             <a:r>
-              <a:rPr lang="en-US" smtClean="0"/>
+              <a:rPr lang="en-US"/>
               <a:t>Fifth level</a:t>
             </a:r>
             <a:endParaRPr lang="he-IL"/>
@@ -1613,7 +1614,7 @@
           <a:p>
             <a:fld id="{4476BBAF-3BF1-4078-A5DF-44D473DCBE61}" type="datetimeFigureOut">
               <a:rPr lang="he-IL" smtClean="0"/>
-              <a:t>כ"ט/שבט/תש"פ</a:t>
+              <a:t>כ'/אדר/תש"ף</a:t>
             </a:fld>
             <a:endParaRPr lang="he-IL"/>
           </a:p>
@@ -1707,7 +1708,7 @@
           <a:lstStyle/>
           <a:p>
             <a:r>
-              <a:rPr lang="en-US" smtClean="0"/>
+              <a:rPr lang="en-US"/>
               <a:t>Click to edit Master title style</a:t>
             </a:r>
             <a:endParaRPr lang="he-IL"/>
@@ -1731,7 +1732,7 @@
           <a:p>
             <a:fld id="{4476BBAF-3BF1-4078-A5DF-44D473DCBE61}" type="datetimeFigureOut">
               <a:rPr lang="he-IL" smtClean="0"/>
-              <a:t>כ"ט/שבט/תש"פ</a:t>
+              <a:t>כ'/אדר/תש"ף</a:t>
             </a:fld>
             <a:endParaRPr lang="he-IL"/>
           </a:p>
@@ -1826,7 +1827,7 @@
           <a:p>
             <a:fld id="{4476BBAF-3BF1-4078-A5DF-44D473DCBE61}" type="datetimeFigureOut">
               <a:rPr lang="he-IL" smtClean="0"/>
-              <a:t>כ"ט/שבט/תש"פ</a:t>
+              <a:t>כ'/אדר/תש"ף</a:t>
             </a:fld>
             <a:endParaRPr lang="he-IL"/>
           </a:p>
@@ -1929,7 +1930,7 @@
           </a:lstStyle>
           <a:p>
             <a:r>
-              <a:rPr lang="en-US" smtClean="0"/>
+              <a:rPr lang="en-US"/>
               <a:t>Click to edit Master title style</a:t>
             </a:r>
             <a:endParaRPr lang="he-IL"/>
@@ -1986,35 +1987,35 @@
           <a:p>
             <a:pPr lvl="0"/>
             <a:r>
-              <a:rPr lang="en-US" smtClean="0"/>
+              <a:rPr lang="en-US"/>
               <a:t>Edit Master text styles</a:t>
             </a:r>
           </a:p>
           <a:p>
             <a:pPr lvl="1"/>
             <a:r>
-              <a:rPr lang="en-US" smtClean="0"/>
+              <a:rPr lang="en-US"/>
               <a:t>Second level</a:t>
             </a:r>
           </a:p>
           <a:p>
             <a:pPr lvl="2"/>
             <a:r>
-              <a:rPr lang="en-US" smtClean="0"/>
+              <a:rPr lang="en-US"/>
               <a:t>Third level</a:t>
             </a:r>
           </a:p>
           <a:p>
             <a:pPr lvl="3"/>
             <a:r>
-              <a:rPr lang="en-US" smtClean="0"/>
+              <a:rPr lang="en-US"/>
               <a:t>Fourth level</a:t>
             </a:r>
           </a:p>
           <a:p>
             <a:pPr lvl="4"/>
             <a:r>
-              <a:rPr lang="en-US" smtClean="0"/>
+              <a:rPr lang="en-US"/>
               <a:t>Fifth level</a:t>
             </a:r>
             <a:endParaRPr lang="he-IL"/>
@@ -2080,7 +2081,7 @@
           <a:p>
             <a:pPr lvl="0"/>
             <a:r>
-              <a:rPr lang="en-US" smtClean="0"/>
+              <a:rPr lang="en-US"/>
               <a:t>Edit Master text styles</a:t>
             </a:r>
           </a:p>
@@ -2103,7 +2104,7 @@
           <a:p>
             <a:fld id="{4476BBAF-3BF1-4078-A5DF-44D473DCBE61}" type="datetimeFigureOut">
               <a:rPr lang="he-IL" smtClean="0"/>
-              <a:t>כ"ט/שבט/תש"פ</a:t>
+              <a:t>כ'/אדר/תש"ף</a:t>
             </a:fld>
             <a:endParaRPr lang="he-IL"/>
           </a:p>
@@ -2206,7 +2207,7 @@
           </a:lstStyle>
           <a:p>
             <a:r>
-              <a:rPr lang="en-US" smtClean="0"/>
+              <a:rPr lang="en-US"/>
               <a:t>Click to edit Master title style</a:t>
             </a:r>
             <a:endParaRPr lang="he-IL"/>
@@ -2333,7 +2334,7 @@
           <a:p>
             <a:pPr lvl="0"/>
             <a:r>
-              <a:rPr lang="en-US" smtClean="0"/>
+              <a:rPr lang="en-US"/>
               <a:t>Edit Master text styles</a:t>
             </a:r>
           </a:p>
@@ -2356,7 +2357,7 @@
           <a:p>
             <a:fld id="{4476BBAF-3BF1-4078-A5DF-44D473DCBE61}" type="datetimeFigureOut">
               <a:rPr lang="he-IL" smtClean="0"/>
-              <a:t>כ"ט/שבט/תש"פ</a:t>
+              <a:t>כ'/אדר/תש"ף</a:t>
             </a:fld>
             <a:endParaRPr lang="he-IL"/>
           </a:p>
@@ -2465,7 +2466,7 @@
           <a:lstStyle/>
           <a:p>
             <a:r>
-              <a:rPr lang="en-US" smtClean="0"/>
+              <a:rPr lang="en-US"/>
               <a:t>Click to edit Master title style</a:t>
             </a:r>
             <a:endParaRPr lang="he-IL"/>
@@ -2499,35 +2500,35 @@
           <a:p>
             <a:pPr lvl="0"/>
             <a:r>
-              <a:rPr lang="en-US" smtClean="0"/>
+              <a:rPr lang="en-US"/>
               <a:t>Edit Master text styles</a:t>
             </a:r>
           </a:p>
           <a:p>
             <a:pPr lvl="1"/>
             <a:r>
-              <a:rPr lang="en-US" smtClean="0"/>
+              <a:rPr lang="en-US"/>
               <a:t>Second level</a:t>
             </a:r>
           </a:p>
           <a:p>
             <a:pPr lvl="2"/>
             <a:r>
-              <a:rPr lang="en-US" smtClean="0"/>
+              <a:rPr lang="en-US"/>
               <a:t>Third level</a:t>
             </a:r>
           </a:p>
           <a:p>
             <a:pPr lvl="3"/>
             <a:r>
-              <a:rPr lang="en-US" smtClean="0"/>
+              <a:rPr lang="en-US"/>
               <a:t>Fourth level</a:t>
             </a:r>
           </a:p>
           <a:p>
             <a:pPr lvl="4"/>
             <a:r>
-              <a:rPr lang="en-US" smtClean="0"/>
+              <a:rPr lang="en-US"/>
               <a:t>Fifth level</a:t>
             </a:r>
             <a:endParaRPr lang="he-IL"/>
@@ -2569,7 +2570,7 @@
           <a:p>
             <a:fld id="{4476BBAF-3BF1-4078-A5DF-44D473DCBE61}" type="datetimeFigureOut">
               <a:rPr lang="he-IL" smtClean="0"/>
-              <a:t>כ"ט/שבט/תש"פ</a:t>
+              <a:t>כ'/אדר/תש"ף</a:t>
             </a:fld>
             <a:endParaRPr lang="he-IL"/>
           </a:p>
@@ -3037,7 +3038,7 @@
                 <a:spcPct val="150000"/>
               </a:lnSpc>
             </a:pPr>
-            <a:endParaRPr lang="he-IL" sz="2400" dirty="0" smtClean="0">
+            <a:endParaRPr lang="he-IL" sz="2400" dirty="0">
               <a:solidFill>
                 <a:schemeClr val="tx1"/>
               </a:solidFill>
@@ -3052,7 +3053,7 @@
               </a:lnSpc>
             </a:pPr>
             <a:r>
-              <a:rPr lang="he-IL" sz="2400" dirty="0" smtClean="0">
+              <a:rPr lang="he-IL" sz="2400" dirty="0">
                 <a:solidFill>
                   <a:schemeClr val="tx1"/>
                 </a:solidFill>
@@ -3069,7 +3070,7 @@
               </a:lnSpc>
             </a:pPr>
             <a:r>
-              <a:rPr lang="he-IL" sz="2400" dirty="0" smtClean="0">
+              <a:rPr lang="he-IL" sz="2400" dirty="0">
                 <a:solidFill>
                   <a:schemeClr val="tx1"/>
                 </a:solidFill>
@@ -3086,7 +3087,7 @@
               </a:lnSpc>
             </a:pPr>
             <a:r>
-              <a:rPr lang="he-IL" sz="2400" dirty="0" smtClean="0">
+              <a:rPr lang="he-IL" sz="2400" dirty="0">
                 <a:solidFill>
                   <a:schemeClr val="tx1"/>
                 </a:solidFill>
@@ -3103,7 +3104,7 @@
               </a:lnSpc>
             </a:pPr>
             <a:r>
-              <a:rPr lang="he-IL" sz="2400" dirty="0" smtClean="0">
+              <a:rPr lang="he-IL" sz="2400" dirty="0">
                 <a:solidFill>
                   <a:schemeClr val="tx1"/>
                 </a:solidFill>
@@ -3113,7 +3114,7 @@
               <a:t> </a:t>
             </a:r>
             <a:r>
-              <a:rPr lang="en-US" sz="2400" b="1" dirty="0" smtClean="0">
+              <a:rPr lang="en-US" sz="2400" b="1" dirty="0">
                 <a:solidFill>
                   <a:schemeClr val="tx1"/>
                 </a:solidFill>
@@ -3123,7 +3124,7 @@
               <a:t>XXX</a:t>
             </a:r>
             <a:r>
-              <a:rPr lang="he-IL" sz="2400" dirty="0" smtClean="0">
+              <a:rPr lang="he-IL" sz="2400" dirty="0">
                 <a:solidFill>
                   <a:schemeClr val="tx1"/>
                 </a:solidFill>
@@ -3140,7 +3141,7 @@
               </a:lnSpc>
             </a:pPr>
             <a:r>
-              <a:rPr lang="he-IL" sz="2400" dirty="0" smtClean="0">
+              <a:rPr lang="he-IL" sz="2400" dirty="0">
                 <a:solidFill>
                   <a:schemeClr val="tx1"/>
                 </a:solidFill>
@@ -3157,7 +3158,7 @@
               </a:lnSpc>
             </a:pPr>
             <a:r>
-              <a:rPr lang="he-IL" sz="2400" b="1" dirty="0" smtClean="0">
+              <a:rPr lang="he-IL" sz="2400" b="1" dirty="0">
                 <a:solidFill>
                   <a:schemeClr val="tx1"/>
                 </a:solidFill>
@@ -3166,27 +3167,6 @@
               </a:rPr>
               <a:t>כאשר תשמע\י משפט, את\ה מתבקש\ת להקשיב לו כפי שאת\ה מקשיב\ה למחשבה שעוברת לך בראש.</a:t>
             </a:r>
-            <a:endParaRPr lang="he-IL" sz="2400" b="1" dirty="0" smtClean="0">
-              <a:solidFill>
-                <a:schemeClr val="tx1"/>
-              </a:solidFill>
-              <a:latin typeface="David" panose="020E0502060401010101" pitchFamily="34" charset="-79"/>
-              <a:cs typeface="David" panose="020E0502060401010101" pitchFamily="34" charset="-79"/>
-            </a:endParaRPr>
-          </a:p>
-          <a:p>
-            <a:pPr algn="ctr" rtl="1">
-              <a:lnSpc>
-                <a:spcPct val="150000"/>
-              </a:lnSpc>
-            </a:pPr>
-            <a:endParaRPr lang="he-IL" sz="2400" dirty="0" smtClean="0">
-              <a:solidFill>
-                <a:schemeClr val="tx1"/>
-              </a:solidFill>
-              <a:latin typeface="David" panose="020E0502060401010101" pitchFamily="34" charset="-79"/>
-              <a:cs typeface="David" panose="020E0502060401010101" pitchFamily="34" charset="-79"/>
-            </a:endParaRPr>
           </a:p>
           <a:p>
             <a:pPr algn="ctr" rtl="1">
@@ -3208,7 +3188,7 @@
                 <a:spcPct val="150000"/>
               </a:lnSpc>
             </a:pPr>
-            <a:endParaRPr lang="he-IL" sz="2400" dirty="0" smtClean="0">
+            <a:endParaRPr lang="he-IL" sz="2400" dirty="0">
               <a:solidFill>
                 <a:schemeClr val="tx1"/>
               </a:solidFill>
@@ -3236,7 +3216,7 @@
                 <a:spcPct val="150000"/>
               </a:lnSpc>
             </a:pPr>
-            <a:endParaRPr lang="he-IL" sz="2400" dirty="0" smtClean="0">
+            <a:endParaRPr lang="he-IL" sz="2400" dirty="0">
               <a:solidFill>
                 <a:schemeClr val="tx1"/>
               </a:solidFill>
@@ -3264,7 +3244,21 @@
                 <a:spcPct val="150000"/>
               </a:lnSpc>
             </a:pPr>
-            <a:endParaRPr lang="he-IL" sz="2400" dirty="0" smtClean="0">
+            <a:endParaRPr lang="he-IL" sz="2400" dirty="0">
+              <a:solidFill>
+                <a:schemeClr val="tx1"/>
+              </a:solidFill>
+              <a:latin typeface="David" panose="020E0502060401010101" pitchFamily="34" charset="-79"/>
+              <a:cs typeface="David" panose="020E0502060401010101" pitchFamily="34" charset="-79"/>
+            </a:endParaRPr>
+          </a:p>
+          <a:p>
+            <a:pPr algn="ctr" rtl="1">
+              <a:lnSpc>
+                <a:spcPct val="150000"/>
+              </a:lnSpc>
+            </a:pPr>
+            <a:endParaRPr lang="he-IL" sz="2400" dirty="0">
               <a:solidFill>
                 <a:schemeClr val="tx1"/>
               </a:solidFill>
@@ -3359,17 +3353,7 @@
                 <a:latin typeface="David" panose="020E0502060401010101" pitchFamily="34" charset="-79"/>
                 <a:cs typeface="David" panose="020E0502060401010101" pitchFamily="34" charset="-79"/>
               </a:rPr>
-              <a:t> לחץ/י </a:t>
-            </a:r>
-            <a:r>
-              <a:rPr lang="he-IL" sz="1937" u="sng" dirty="0" smtClean="0">
-                <a:solidFill>
-                  <a:schemeClr val="tx1"/>
-                </a:solidFill>
-                <a:latin typeface="David" panose="020E0502060401010101" pitchFamily="34" charset="-79"/>
-                <a:cs typeface="David" panose="020E0502060401010101" pitchFamily="34" charset="-79"/>
-              </a:rPr>
-              <a:t>על אחד הכפתורים</a:t>
+              <a:t> לחץ/י על אחד הכפתורים</a:t>
             </a:r>
             <a:endParaRPr lang="he-IL" sz="1937" dirty="0">
               <a:solidFill>
@@ -3474,228 +3458,6 @@
                 <a:spcPct val="150000"/>
               </a:lnSpc>
             </a:pPr>
-            <a:endParaRPr lang="he-IL" sz="2400" dirty="0" smtClean="0">
-              <a:solidFill>
-                <a:schemeClr val="tx1"/>
-              </a:solidFill>
-              <a:latin typeface="David" panose="020E0502060401010101" pitchFamily="34" charset="-79"/>
-              <a:cs typeface="David" panose="020E0502060401010101" pitchFamily="34" charset="-79"/>
-            </a:endParaRPr>
-          </a:p>
-          <a:p>
-            <a:pPr algn="ctr" rtl="1">
-              <a:lnSpc>
-                <a:spcPct val="150000"/>
-              </a:lnSpc>
-            </a:pPr>
-            <a:r>
-              <a:rPr lang="he-IL" sz="2400" dirty="0" smtClean="0">
-                <a:solidFill>
-                  <a:schemeClr val="tx1"/>
-                </a:solidFill>
-                <a:latin typeface="David" panose="020E0502060401010101" pitchFamily="34" charset="-79"/>
-                <a:cs typeface="David" panose="020E0502060401010101" pitchFamily="34" charset="-79"/>
-              </a:rPr>
-              <a:t>בתום המשפט, תופיע </a:t>
-            </a:r>
-            <a:r>
-              <a:rPr lang="he-IL" sz="2400" b="1" dirty="0" smtClean="0">
-                <a:solidFill>
-                  <a:schemeClr val="tx1"/>
-                </a:solidFill>
-                <a:latin typeface="David" panose="020E0502060401010101" pitchFamily="34" charset="-79"/>
-                <a:cs typeface="David" panose="020E0502060401010101" pitchFamily="34" charset="-79"/>
-              </a:rPr>
-              <a:t>ספרה</a:t>
-            </a:r>
-            <a:r>
-              <a:rPr lang="he-IL" sz="2400" dirty="0" smtClean="0">
-                <a:solidFill>
-                  <a:schemeClr val="tx1"/>
-                </a:solidFill>
-                <a:latin typeface="David" panose="020E0502060401010101" pitchFamily="34" charset="-79"/>
-                <a:cs typeface="David" panose="020E0502060401010101" pitchFamily="34" charset="-79"/>
-              </a:rPr>
-              <a:t> במרכז ה-</a:t>
-            </a:r>
-            <a:r>
-              <a:rPr lang="en-US" sz="2400" dirty="0" smtClean="0">
-                <a:solidFill>
-                  <a:schemeClr val="tx1"/>
-                </a:solidFill>
-                <a:latin typeface="David" panose="020E0502060401010101" pitchFamily="34" charset="-79"/>
-                <a:cs typeface="David" panose="020E0502060401010101" pitchFamily="34" charset="-79"/>
-              </a:rPr>
-              <a:t>XXX</a:t>
-            </a:r>
-            <a:r>
-              <a:rPr lang="he-IL" sz="2400" dirty="0" smtClean="0">
-                <a:solidFill>
-                  <a:schemeClr val="tx1"/>
-                </a:solidFill>
-                <a:latin typeface="David" panose="020E0502060401010101" pitchFamily="34" charset="-79"/>
-                <a:cs typeface="David" panose="020E0502060401010101" pitchFamily="34" charset="-79"/>
-              </a:rPr>
-              <a:t> (למשל </a:t>
-            </a:r>
-            <a:r>
-              <a:rPr lang="en-US" sz="2400" dirty="0" smtClean="0">
-                <a:solidFill>
-                  <a:schemeClr val="tx1"/>
-                </a:solidFill>
-                <a:latin typeface="David" panose="020E0502060401010101" pitchFamily="34" charset="-79"/>
-                <a:cs typeface="David" panose="020E0502060401010101" pitchFamily="34" charset="-79"/>
-              </a:rPr>
-              <a:t>X5X</a:t>
-            </a:r>
-            <a:r>
-              <a:rPr lang="he-IL" sz="2400" dirty="0" smtClean="0">
-                <a:solidFill>
-                  <a:schemeClr val="tx1"/>
-                </a:solidFill>
-                <a:latin typeface="David" panose="020E0502060401010101" pitchFamily="34" charset="-79"/>
-                <a:cs typeface="David" panose="020E0502060401010101" pitchFamily="34" charset="-79"/>
-              </a:rPr>
-              <a:t>) ואת\ה תתבקש\י להחליט האם הספרה </a:t>
-            </a:r>
-            <a:r>
-              <a:rPr lang="he-IL" sz="2400" b="1" dirty="0" smtClean="0">
-                <a:solidFill>
-                  <a:schemeClr val="tx1"/>
-                </a:solidFill>
-                <a:latin typeface="David" panose="020E0502060401010101" pitchFamily="34" charset="-79"/>
-                <a:cs typeface="David" panose="020E0502060401010101" pitchFamily="34" charset="-79"/>
-              </a:rPr>
-              <a:t>זוגית</a:t>
-            </a:r>
-            <a:r>
-              <a:rPr lang="he-IL" sz="2400" dirty="0" smtClean="0">
-                <a:solidFill>
-                  <a:schemeClr val="tx1"/>
-                </a:solidFill>
-                <a:latin typeface="David" panose="020E0502060401010101" pitchFamily="34" charset="-79"/>
-                <a:cs typeface="David" panose="020E0502060401010101" pitchFamily="34" charset="-79"/>
-              </a:rPr>
-              <a:t> או </a:t>
-            </a:r>
-            <a:r>
-              <a:rPr lang="he-IL" sz="2400" b="1" dirty="0" smtClean="0">
-                <a:solidFill>
-                  <a:schemeClr val="tx1"/>
-                </a:solidFill>
-                <a:latin typeface="David" panose="020E0502060401010101" pitchFamily="34" charset="-79"/>
-                <a:cs typeface="David" panose="020E0502060401010101" pitchFamily="34" charset="-79"/>
-              </a:rPr>
-              <a:t>אי-זוגית</a:t>
-            </a:r>
-            <a:r>
-              <a:rPr lang="he-IL" sz="2400" dirty="0" smtClean="0">
-                <a:solidFill>
-                  <a:schemeClr val="tx1"/>
-                </a:solidFill>
-                <a:latin typeface="David" panose="020E0502060401010101" pitchFamily="34" charset="-79"/>
-                <a:cs typeface="David" panose="020E0502060401010101" pitchFamily="34" charset="-79"/>
-              </a:rPr>
-              <a:t> על ידי לחיצה על המקש המתאים במקלדת באופן הבא: </a:t>
-            </a:r>
-          </a:p>
-          <a:p>
-            <a:pPr algn="ctr" rtl="1">
-              <a:lnSpc>
-                <a:spcPct val="150000"/>
-              </a:lnSpc>
-            </a:pPr>
-            <a:r>
-              <a:rPr lang="he-IL" sz="2400" b="1" u="sng" dirty="0" smtClean="0">
-                <a:solidFill>
-                  <a:srgbClr val="FF0000"/>
-                </a:solidFill>
-                <a:latin typeface="David" panose="020E0502060401010101" pitchFamily="34" charset="-79"/>
-                <a:cs typeface="David" panose="020E0502060401010101" pitchFamily="34" charset="-79"/>
-              </a:rPr>
-              <a:t>להחליט על מקשים במקלדת (להוסיף מדבקה?) או בעכבר שיסמנו זוגי\אי זוגי ולהוסיף צילום של המקלדות של </a:t>
-            </a:r>
-            <a:r>
-              <a:rPr lang="he-IL" sz="2400" b="1" u="sng" dirty="0" err="1" smtClean="0">
-                <a:solidFill>
-                  <a:srgbClr val="FF0000"/>
-                </a:solidFill>
-                <a:latin typeface="David" panose="020E0502060401010101" pitchFamily="34" charset="-79"/>
-                <a:cs typeface="David" panose="020E0502060401010101" pitchFamily="34" charset="-79"/>
-              </a:rPr>
-              <a:t>הלפ</a:t>
-            </a:r>
-            <a:r>
-              <a:rPr lang="he-IL" sz="2400" b="1" u="sng" dirty="0" err="1" smtClean="0">
-                <a:solidFill>
-                  <a:srgbClr val="FF0000"/>
-                </a:solidFill>
-                <a:latin typeface="David" panose="020E0502060401010101" pitchFamily="34" charset="-79"/>
-                <a:cs typeface="David" panose="020E0502060401010101" pitchFamily="34" charset="-79"/>
-              </a:rPr>
-              <a:t>טופים</a:t>
-            </a:r>
-            <a:r>
-              <a:rPr lang="he-IL" sz="2400" b="1" u="sng" dirty="0" smtClean="0">
-                <a:solidFill>
-                  <a:srgbClr val="FF0000"/>
-                </a:solidFill>
-                <a:latin typeface="David" panose="020E0502060401010101" pitchFamily="34" charset="-79"/>
-                <a:cs typeface="David" panose="020E0502060401010101" pitchFamily="34" charset="-79"/>
-              </a:rPr>
-              <a:t> של המעבדה</a:t>
-            </a:r>
-          </a:p>
-          <a:p>
-            <a:pPr algn="ctr" rtl="1">
-              <a:lnSpc>
-                <a:spcPct val="150000"/>
-              </a:lnSpc>
-            </a:pPr>
-            <a:endParaRPr lang="he-IL" sz="2400" b="1" u="sng" dirty="0" smtClean="0">
-              <a:solidFill>
-                <a:schemeClr val="tx1"/>
-              </a:solidFill>
-              <a:latin typeface="David" panose="020E0502060401010101" pitchFamily="34" charset="-79"/>
-              <a:cs typeface="David" panose="020E0502060401010101" pitchFamily="34" charset="-79"/>
-            </a:endParaRPr>
-          </a:p>
-          <a:p>
-            <a:pPr algn="ctr" rtl="1">
-              <a:lnSpc>
-                <a:spcPct val="150000"/>
-              </a:lnSpc>
-            </a:pPr>
-            <a:r>
-              <a:rPr lang="he-IL" sz="2400" dirty="0" smtClean="0">
-                <a:solidFill>
-                  <a:schemeClr val="tx1"/>
-                </a:solidFill>
-                <a:latin typeface="David" panose="020E0502060401010101" pitchFamily="34" charset="-79"/>
-                <a:cs typeface="David" panose="020E0502060401010101" pitchFamily="34" charset="-79"/>
-              </a:rPr>
-              <a:t>השתדל\י לענות </a:t>
-            </a:r>
-            <a:r>
-              <a:rPr lang="he-IL" sz="2400" b="1" dirty="0" smtClean="0">
-                <a:solidFill>
-                  <a:schemeClr val="tx1"/>
-                </a:solidFill>
-                <a:latin typeface="David" panose="020E0502060401010101" pitchFamily="34" charset="-79"/>
-                <a:cs typeface="David" panose="020E0502060401010101" pitchFamily="34" charset="-79"/>
-              </a:rPr>
-              <a:t>הכי מהר ומדויק </a:t>
-            </a:r>
-            <a:r>
-              <a:rPr lang="he-IL" sz="2400" dirty="0" smtClean="0">
-                <a:solidFill>
-                  <a:schemeClr val="tx1"/>
-                </a:solidFill>
-                <a:latin typeface="David" panose="020E0502060401010101" pitchFamily="34" charset="-79"/>
-                <a:cs typeface="David" panose="020E0502060401010101" pitchFamily="34" charset="-79"/>
-              </a:rPr>
-              <a:t>שאת\ה יכול\ה.</a:t>
-            </a:r>
             <a:endParaRPr lang="he-IL" sz="2400" dirty="0">
               <a:solidFill>
                 <a:schemeClr val="tx1"/>
@@ -3703,6 +3465,202 @@
               <a:latin typeface="David" panose="020E0502060401010101" pitchFamily="34" charset="-79"/>
               <a:cs typeface="David" panose="020E0502060401010101" pitchFamily="34" charset="-79"/>
             </a:endParaRPr>
+          </a:p>
+          <a:p>
+            <a:pPr algn="ctr" rtl="1">
+              <a:lnSpc>
+                <a:spcPct val="150000"/>
+              </a:lnSpc>
+            </a:pPr>
+            <a:r>
+              <a:rPr lang="he-IL" sz="2400" dirty="0">
+                <a:solidFill>
+                  <a:schemeClr val="tx1"/>
+                </a:solidFill>
+                <a:latin typeface="David" panose="020E0502060401010101" pitchFamily="34" charset="-79"/>
+                <a:cs typeface="David" panose="020E0502060401010101" pitchFamily="34" charset="-79"/>
+              </a:rPr>
+              <a:t>בתום המשפט, תופיע </a:t>
+            </a:r>
+            <a:r>
+              <a:rPr lang="he-IL" sz="2400" b="1" dirty="0">
+                <a:solidFill>
+                  <a:schemeClr val="tx1"/>
+                </a:solidFill>
+                <a:latin typeface="David" panose="020E0502060401010101" pitchFamily="34" charset="-79"/>
+                <a:cs typeface="David" panose="020E0502060401010101" pitchFamily="34" charset="-79"/>
+              </a:rPr>
+              <a:t>ספרה</a:t>
+            </a:r>
+            <a:r>
+              <a:rPr lang="he-IL" sz="2400" dirty="0">
+                <a:solidFill>
+                  <a:schemeClr val="tx1"/>
+                </a:solidFill>
+                <a:latin typeface="David" panose="020E0502060401010101" pitchFamily="34" charset="-79"/>
+                <a:cs typeface="David" panose="020E0502060401010101" pitchFamily="34" charset="-79"/>
+              </a:rPr>
+              <a:t> במרכז ה-</a:t>
+            </a:r>
+            <a:r>
+              <a:rPr lang="en-US" sz="2400" dirty="0">
+                <a:solidFill>
+                  <a:schemeClr val="tx1"/>
+                </a:solidFill>
+                <a:latin typeface="David" panose="020E0502060401010101" pitchFamily="34" charset="-79"/>
+                <a:cs typeface="David" panose="020E0502060401010101" pitchFamily="34" charset="-79"/>
+              </a:rPr>
+              <a:t>XXX</a:t>
+            </a:r>
+            <a:r>
+              <a:rPr lang="he-IL" sz="2400" dirty="0">
+                <a:solidFill>
+                  <a:schemeClr val="tx1"/>
+                </a:solidFill>
+                <a:latin typeface="David" panose="020E0502060401010101" pitchFamily="34" charset="-79"/>
+                <a:cs typeface="David" panose="020E0502060401010101" pitchFamily="34" charset="-79"/>
+              </a:rPr>
+              <a:t> (למשל </a:t>
+            </a:r>
+            <a:r>
+              <a:rPr lang="en-US" sz="2400" dirty="0">
+                <a:solidFill>
+                  <a:schemeClr val="tx1"/>
+                </a:solidFill>
+                <a:latin typeface="David" panose="020E0502060401010101" pitchFamily="34" charset="-79"/>
+                <a:cs typeface="David" panose="020E0502060401010101" pitchFamily="34" charset="-79"/>
+              </a:rPr>
+              <a:t>X5X</a:t>
+            </a:r>
+            <a:r>
+              <a:rPr lang="he-IL" sz="2400" dirty="0">
+                <a:solidFill>
+                  <a:schemeClr val="tx1"/>
+                </a:solidFill>
+                <a:latin typeface="David" panose="020E0502060401010101" pitchFamily="34" charset="-79"/>
+                <a:cs typeface="David" panose="020E0502060401010101" pitchFamily="34" charset="-79"/>
+              </a:rPr>
+              <a:t>) ואת\ה תתבקש\י להחליט האם הספרה </a:t>
+            </a:r>
+            <a:r>
+              <a:rPr lang="he-IL" sz="2400" b="1" dirty="0">
+                <a:solidFill>
+                  <a:schemeClr val="tx1"/>
+                </a:solidFill>
+                <a:latin typeface="David" panose="020E0502060401010101" pitchFamily="34" charset="-79"/>
+                <a:cs typeface="David" panose="020E0502060401010101" pitchFamily="34" charset="-79"/>
+              </a:rPr>
+              <a:t>זוגית</a:t>
+            </a:r>
+            <a:r>
+              <a:rPr lang="he-IL" sz="2400" dirty="0">
+                <a:solidFill>
+                  <a:schemeClr val="tx1"/>
+                </a:solidFill>
+                <a:latin typeface="David" panose="020E0502060401010101" pitchFamily="34" charset="-79"/>
+                <a:cs typeface="David" panose="020E0502060401010101" pitchFamily="34" charset="-79"/>
+              </a:rPr>
+              <a:t> או </a:t>
+            </a:r>
+            <a:r>
+              <a:rPr lang="he-IL" sz="2400" b="1" dirty="0">
+                <a:solidFill>
+                  <a:schemeClr val="tx1"/>
+                </a:solidFill>
+                <a:latin typeface="David" panose="020E0502060401010101" pitchFamily="34" charset="-79"/>
+                <a:cs typeface="David" panose="020E0502060401010101" pitchFamily="34" charset="-79"/>
+              </a:rPr>
+              <a:t>אי-זוגית</a:t>
+            </a:r>
+            <a:r>
+              <a:rPr lang="he-IL" sz="2400" dirty="0">
+                <a:solidFill>
+                  <a:schemeClr val="tx1"/>
+                </a:solidFill>
+                <a:latin typeface="David" panose="020E0502060401010101" pitchFamily="34" charset="-79"/>
+                <a:cs typeface="David" panose="020E0502060401010101" pitchFamily="34" charset="-79"/>
+              </a:rPr>
+              <a:t> על ידי לחיצה על המקש המתאים במקלדת באופן הבא: </a:t>
+            </a:r>
+          </a:p>
+          <a:p>
+            <a:pPr algn="ctr" rtl="1">
+              <a:lnSpc>
+                <a:spcPct val="150000"/>
+              </a:lnSpc>
+            </a:pPr>
+            <a:endParaRPr lang="en-US" sz="2400" b="1" u="sng" dirty="0">
+              <a:solidFill>
+                <a:schemeClr val="tx1"/>
+              </a:solidFill>
+              <a:latin typeface="David" panose="020E0502060401010101" pitchFamily="34" charset="-79"/>
+              <a:cs typeface="David" panose="020E0502060401010101" pitchFamily="34" charset="-79"/>
+            </a:endParaRPr>
+          </a:p>
+          <a:p>
+            <a:pPr algn="ctr" rtl="1">
+              <a:lnSpc>
+                <a:spcPct val="150000"/>
+              </a:lnSpc>
+            </a:pPr>
+            <a:endParaRPr lang="en-US" sz="2400" b="1" u="sng" dirty="0">
+              <a:solidFill>
+                <a:schemeClr val="tx1"/>
+              </a:solidFill>
+              <a:latin typeface="David" panose="020E0502060401010101" pitchFamily="34" charset="-79"/>
+              <a:cs typeface="David" panose="020E0502060401010101" pitchFamily="34" charset="-79"/>
+            </a:endParaRPr>
+          </a:p>
+          <a:p>
+            <a:pPr algn="ctr" rtl="1">
+              <a:lnSpc>
+                <a:spcPct val="150000"/>
+              </a:lnSpc>
+            </a:pPr>
+            <a:endParaRPr lang="he-IL" sz="2400" b="1" u="sng" dirty="0">
+              <a:solidFill>
+                <a:schemeClr val="tx1"/>
+              </a:solidFill>
+              <a:latin typeface="David" panose="020E0502060401010101" pitchFamily="34" charset="-79"/>
+              <a:cs typeface="David" panose="020E0502060401010101" pitchFamily="34" charset="-79"/>
+            </a:endParaRPr>
+          </a:p>
+          <a:p>
+            <a:pPr algn="ctr" rtl="1">
+              <a:lnSpc>
+                <a:spcPct val="150000"/>
+              </a:lnSpc>
+            </a:pPr>
+            <a:r>
+              <a:rPr lang="he-IL" sz="2400" dirty="0">
+                <a:solidFill>
+                  <a:schemeClr val="tx1"/>
+                </a:solidFill>
+                <a:latin typeface="David" panose="020E0502060401010101" pitchFamily="34" charset="-79"/>
+                <a:cs typeface="David" panose="020E0502060401010101" pitchFamily="34" charset="-79"/>
+              </a:rPr>
+              <a:t>השתדל\י לענות </a:t>
+            </a:r>
+            <a:r>
+              <a:rPr lang="he-IL" sz="2400" b="1" dirty="0">
+                <a:solidFill>
+                  <a:schemeClr val="tx1"/>
+                </a:solidFill>
+                <a:latin typeface="David" panose="020E0502060401010101" pitchFamily="34" charset="-79"/>
+                <a:cs typeface="David" panose="020E0502060401010101" pitchFamily="34" charset="-79"/>
+              </a:rPr>
+              <a:t>הכי מהר ומדויק </a:t>
+            </a:r>
+            <a:r>
+              <a:rPr lang="he-IL" sz="2400" dirty="0">
+                <a:solidFill>
+                  <a:schemeClr val="tx1"/>
+                </a:solidFill>
+                <a:latin typeface="David" panose="020E0502060401010101" pitchFamily="34" charset="-79"/>
+                <a:cs typeface="David" panose="020E0502060401010101" pitchFamily="34" charset="-79"/>
+              </a:rPr>
+              <a:t>שאת\ה יכול\ה.</a:t>
+            </a:r>
           </a:p>
         </p:txBody>
       </p:sp>
@@ -3777,47 +3735,7 @@
                 <a:latin typeface="David" panose="020E0502060401010101" pitchFamily="34" charset="-79"/>
                 <a:cs typeface="David" panose="020E0502060401010101" pitchFamily="34" charset="-79"/>
               </a:rPr>
-              <a:t> </a:t>
-            </a:r>
-            <a:r>
-              <a:rPr lang="he-IL" sz="1937" u="sng" dirty="0" smtClean="0">
-                <a:solidFill>
-                  <a:schemeClr val="tx1"/>
-                </a:solidFill>
-                <a:latin typeface="David" panose="020E0502060401010101" pitchFamily="34" charset="-79"/>
-                <a:cs typeface="David" panose="020E0502060401010101" pitchFamily="34" charset="-79"/>
-              </a:rPr>
-              <a:t>לחץ</a:t>
-            </a:r>
-            <a:r>
-              <a:rPr lang="he-IL" sz="1937" u="sng" dirty="0">
-                <a:solidFill>
-                  <a:schemeClr val="tx1"/>
-                </a:solidFill>
-                <a:latin typeface="David" panose="020E0502060401010101" pitchFamily="34" charset="-79"/>
-                <a:cs typeface="David" panose="020E0502060401010101" pitchFamily="34" charset="-79"/>
-              </a:rPr>
-              <a:t>/י</a:t>
-            </a:r>
-            <a:r>
-              <a:rPr lang="he-IL" sz="1937" u="sng" dirty="0" smtClean="0">
-                <a:solidFill>
-                  <a:schemeClr val="tx1"/>
-                </a:solidFill>
-                <a:latin typeface="David" panose="020E0502060401010101" pitchFamily="34" charset="-79"/>
-                <a:cs typeface="David" panose="020E0502060401010101" pitchFamily="34" charset="-79"/>
-              </a:rPr>
-              <a:t> </a:t>
-            </a:r>
-            <a:r>
-              <a:rPr lang="he-IL" sz="1937" u="sng" dirty="0">
-                <a:solidFill>
-                  <a:schemeClr val="tx1"/>
-                </a:solidFill>
-                <a:latin typeface="David" panose="020E0502060401010101" pitchFamily="34" charset="-79"/>
-                <a:cs typeface="David" panose="020E0502060401010101" pitchFamily="34" charset="-79"/>
-              </a:rPr>
-              <a:t>על אחד הכפתורים</a:t>
+              <a:t> לחץ/י על אחד הכפתורים</a:t>
             </a:r>
             <a:endParaRPr lang="he-IL" sz="1937" dirty="0">
               <a:solidFill>
@@ -3829,6 +3747,36 @@
           </a:p>
         </p:txBody>
       </p:sp>
+      <p:pic>
+        <p:nvPicPr>
+          <p:cNvPr id="15" name="Picture 14">
+            <a:extLst>
+              <a:ext uri="{FF2B5EF4-FFF2-40B4-BE49-F238E27FC236}">
+                <a16:creationId xmlns:a16="http://schemas.microsoft.com/office/drawing/2014/main" id="{CB8138BF-5D15-49C0-96C0-CD19C7AA3632}"/>
+              </a:ext>
+            </a:extLst>
+          </p:cNvPr>
+          <p:cNvPicPr>
+            <a:picLocks noChangeAspect="1"/>
+          </p:cNvPicPr>
+          <p:nvPr/>
+        </p:nvPicPr>
+        <p:blipFill>
+          <a:blip r:embed="rId2"/>
+          <a:stretch>
+            <a:fillRect/>
+          </a:stretch>
+        </p:blipFill>
+        <p:spPr>
+          <a:xfrm>
+            <a:off x="2337863" y="3058852"/>
+            <a:ext cx="7516274" cy="1162212"/>
+          </a:xfrm>
+          <a:prstGeom prst="rect">
+            <a:avLst/>
+          </a:prstGeom>
+        </p:spPr>
+      </p:pic>
     </p:spTree>
     <p:extLst>
       <p:ext uri="{BB962C8B-B14F-4D97-AF65-F5344CB8AC3E}">
@@ -3922,98 +3870,6 @@
                 <a:spcPct val="150000"/>
               </a:lnSpc>
             </a:pPr>
-            <a:endParaRPr lang="he-IL" sz="2400" dirty="0" smtClean="0">
-              <a:solidFill>
-                <a:schemeClr val="tx1"/>
-              </a:solidFill>
-              <a:latin typeface="David" panose="020E0502060401010101" pitchFamily="34" charset="-79"/>
-              <a:cs typeface="David" panose="020E0502060401010101" pitchFamily="34" charset="-79"/>
-            </a:endParaRPr>
-          </a:p>
-          <a:p>
-            <a:pPr algn="ctr" rtl="1">
-              <a:lnSpc>
-                <a:spcPct val="150000"/>
-              </a:lnSpc>
-            </a:pPr>
-            <a:r>
-              <a:rPr lang="he-IL" sz="2400" dirty="0" smtClean="0">
-                <a:solidFill>
-                  <a:schemeClr val="tx1"/>
-                </a:solidFill>
-                <a:latin typeface="David" panose="020E0502060401010101" pitchFamily="34" charset="-79"/>
-                <a:cs typeface="David" panose="020E0502060401010101" pitchFamily="34" charset="-79"/>
-              </a:rPr>
-              <a:t>כעת תמשיך לאימון קצר.</a:t>
-            </a:r>
-          </a:p>
-          <a:p>
-            <a:pPr algn="ctr" rtl="1">
-              <a:lnSpc>
-                <a:spcPct val="150000"/>
-              </a:lnSpc>
-            </a:pPr>
-            <a:r>
-              <a:rPr lang="he-IL" sz="2400" dirty="0" smtClean="0">
-                <a:solidFill>
-                  <a:schemeClr val="tx1"/>
-                </a:solidFill>
-                <a:latin typeface="David" panose="020E0502060401010101" pitchFamily="34" charset="-79"/>
-                <a:cs typeface="David" panose="020E0502060401010101" pitchFamily="34" charset="-79"/>
-              </a:rPr>
-              <a:t> </a:t>
-            </a:r>
-          </a:p>
-          <a:p>
-            <a:pPr algn="ctr" rtl="1">
-              <a:lnSpc>
-                <a:spcPct val="150000"/>
-              </a:lnSpc>
-            </a:pPr>
-            <a:r>
-              <a:rPr lang="he-IL" sz="2400" dirty="0" smtClean="0">
-                <a:solidFill>
-                  <a:schemeClr val="tx1"/>
-                </a:solidFill>
-                <a:latin typeface="David" panose="020E0502060401010101" pitchFamily="34" charset="-79"/>
-                <a:cs typeface="David" panose="020E0502060401010101" pitchFamily="34" charset="-79"/>
-              </a:rPr>
-              <a:t>בצעדי האימון הראשונים יהיה משוב בנוגע לתשובתך </a:t>
-            </a:r>
-          </a:p>
-          <a:p>
-            <a:pPr algn="ctr" rtl="1">
-              <a:lnSpc>
-                <a:spcPct val="150000"/>
-              </a:lnSpc>
-            </a:pPr>
-            <a:r>
-              <a:rPr lang="he-IL" sz="2400" dirty="0" smtClean="0">
-                <a:solidFill>
-                  <a:schemeClr val="tx1"/>
-                </a:solidFill>
-                <a:latin typeface="David" panose="020E0502060401010101" pitchFamily="34" charset="-79"/>
-                <a:cs typeface="David" panose="020E0502060401010101" pitchFamily="34" charset="-79"/>
-              </a:rPr>
-              <a:t>שיציין האם ענית נכון או לא נכון. </a:t>
-            </a:r>
-          </a:p>
-          <a:p>
-            <a:pPr algn="ctr" rtl="1">
-              <a:lnSpc>
-                <a:spcPct val="150000"/>
-              </a:lnSpc>
-            </a:pPr>
-            <a:r>
-              <a:rPr lang="he-IL" sz="2400" dirty="0" smtClean="0">
-                <a:solidFill>
-                  <a:schemeClr val="tx1"/>
-                </a:solidFill>
-                <a:latin typeface="David" panose="020E0502060401010101" pitchFamily="34" charset="-79"/>
-                <a:cs typeface="David" panose="020E0502060401010101" pitchFamily="34" charset="-79"/>
-              </a:rPr>
-              <a:t>לאחר מכן יפסק המשוב. </a:t>
-            </a:r>
             <a:endParaRPr lang="he-IL" sz="2400" dirty="0">
               <a:solidFill>
                 <a:schemeClr val="tx1"/>
@@ -4021,6 +3877,91 @@
               <a:latin typeface="David" panose="020E0502060401010101" pitchFamily="34" charset="-79"/>
               <a:cs typeface="David" panose="020E0502060401010101" pitchFamily="34" charset="-79"/>
             </a:endParaRPr>
+          </a:p>
+          <a:p>
+            <a:pPr algn="ctr" rtl="1">
+              <a:lnSpc>
+                <a:spcPct val="150000"/>
+              </a:lnSpc>
+            </a:pPr>
+            <a:r>
+              <a:rPr lang="he-IL" sz="2400" dirty="0">
+                <a:solidFill>
+                  <a:schemeClr val="tx1"/>
+                </a:solidFill>
+                <a:latin typeface="David" panose="020E0502060401010101" pitchFamily="34" charset="-79"/>
+                <a:cs typeface="David" panose="020E0502060401010101" pitchFamily="34" charset="-79"/>
+              </a:rPr>
+              <a:t>כעת תמשיך לאימון קצר.</a:t>
+            </a:r>
+          </a:p>
+          <a:p>
+            <a:pPr algn="ctr" rtl="1">
+              <a:lnSpc>
+                <a:spcPct val="150000"/>
+              </a:lnSpc>
+            </a:pPr>
+            <a:r>
+              <a:rPr lang="he-IL" sz="2400" dirty="0">
+                <a:solidFill>
+                  <a:schemeClr val="tx1"/>
+                </a:solidFill>
+                <a:latin typeface="David" panose="020E0502060401010101" pitchFamily="34" charset="-79"/>
+                <a:cs typeface="David" panose="020E0502060401010101" pitchFamily="34" charset="-79"/>
+              </a:rPr>
+              <a:t> </a:t>
+            </a:r>
+          </a:p>
+          <a:p>
+            <a:pPr algn="ctr" rtl="1">
+              <a:lnSpc>
+                <a:spcPct val="150000"/>
+              </a:lnSpc>
+            </a:pPr>
+            <a:r>
+              <a:rPr lang="he-IL" sz="2400" dirty="0">
+                <a:solidFill>
+                  <a:schemeClr val="tx1"/>
+                </a:solidFill>
+                <a:latin typeface="David" panose="020E0502060401010101" pitchFamily="34" charset="-79"/>
+                <a:cs typeface="David" panose="020E0502060401010101" pitchFamily="34" charset="-79"/>
+              </a:rPr>
+              <a:t>בצעדי האימון הראשונים יהיה משוב בנוגע לתשובתך </a:t>
+            </a:r>
+          </a:p>
+          <a:p>
+            <a:pPr algn="ctr" rtl="1">
+              <a:lnSpc>
+                <a:spcPct val="150000"/>
+              </a:lnSpc>
+            </a:pPr>
+            <a:r>
+              <a:rPr lang="he-IL" sz="2400" dirty="0">
+                <a:solidFill>
+                  <a:schemeClr val="tx1"/>
+                </a:solidFill>
+                <a:latin typeface="David" panose="020E0502060401010101" pitchFamily="34" charset="-79"/>
+                <a:cs typeface="David" panose="020E0502060401010101" pitchFamily="34" charset="-79"/>
+              </a:rPr>
+              <a:t>שיציין האם ענית נכון או לא נכון. </a:t>
+            </a:r>
+          </a:p>
+          <a:p>
+            <a:pPr algn="ctr" rtl="1">
+              <a:lnSpc>
+                <a:spcPct val="150000"/>
+              </a:lnSpc>
+            </a:pPr>
+            <a:r>
+              <a:rPr lang="he-IL" sz="2400" dirty="0">
+                <a:solidFill>
+                  <a:schemeClr val="tx1"/>
+                </a:solidFill>
+                <a:latin typeface="David" panose="020E0502060401010101" pitchFamily="34" charset="-79"/>
+                <a:cs typeface="David" panose="020E0502060401010101" pitchFamily="34" charset="-79"/>
+              </a:rPr>
+              <a:t>לאחר מכן יפסק המשוב. </a:t>
+            </a:r>
           </a:p>
         </p:txBody>
       </p:sp>
@@ -4095,47 +4036,7 @@
                 <a:latin typeface="David" panose="020E0502060401010101" pitchFamily="34" charset="-79"/>
                 <a:cs typeface="David" panose="020E0502060401010101" pitchFamily="34" charset="-79"/>
               </a:rPr>
-              <a:t> </a:t>
-            </a:r>
-            <a:r>
-              <a:rPr lang="he-IL" sz="1937" u="sng" dirty="0" smtClean="0">
-                <a:solidFill>
-                  <a:schemeClr val="tx1"/>
-                </a:solidFill>
-                <a:latin typeface="David" panose="020E0502060401010101" pitchFamily="34" charset="-79"/>
-                <a:cs typeface="David" panose="020E0502060401010101" pitchFamily="34" charset="-79"/>
-              </a:rPr>
-              <a:t>לחץ</a:t>
-            </a:r>
-            <a:r>
-              <a:rPr lang="he-IL" sz="1937" u="sng" dirty="0">
-                <a:solidFill>
-                  <a:schemeClr val="tx1"/>
-                </a:solidFill>
-                <a:latin typeface="David" panose="020E0502060401010101" pitchFamily="34" charset="-79"/>
-                <a:cs typeface="David" panose="020E0502060401010101" pitchFamily="34" charset="-79"/>
-              </a:rPr>
-              <a:t>/י</a:t>
-            </a:r>
-            <a:r>
-              <a:rPr lang="he-IL" sz="1937" u="sng" dirty="0" smtClean="0">
-                <a:solidFill>
-                  <a:schemeClr val="tx1"/>
-                </a:solidFill>
-                <a:latin typeface="David" panose="020E0502060401010101" pitchFamily="34" charset="-79"/>
-                <a:cs typeface="David" panose="020E0502060401010101" pitchFamily="34" charset="-79"/>
-              </a:rPr>
-              <a:t> </a:t>
-            </a:r>
-            <a:r>
-              <a:rPr lang="he-IL" sz="1937" u="sng" dirty="0">
-                <a:solidFill>
-                  <a:schemeClr val="tx1"/>
-                </a:solidFill>
-                <a:latin typeface="David" panose="020E0502060401010101" pitchFamily="34" charset="-79"/>
-                <a:cs typeface="David" panose="020E0502060401010101" pitchFamily="34" charset="-79"/>
-              </a:rPr>
-              <a:t>על אחד הכפתורים</a:t>
+              <a:t> לחץ/י על אחד הכפתורים</a:t>
             </a:r>
             <a:endParaRPr lang="he-IL" sz="1937" dirty="0">
               <a:solidFill>
@@ -4240,7 +4141,7 @@
                 <a:spcPct val="150000"/>
               </a:lnSpc>
             </a:pPr>
-            <a:endParaRPr lang="he-IL" sz="2400" dirty="0" smtClean="0">
+            <a:endParaRPr lang="he-IL" sz="2400" dirty="0">
               <a:solidFill>
                 <a:schemeClr val="tx1"/>
               </a:solidFill>
@@ -4255,7 +4156,7 @@
               </a:lnSpc>
             </a:pPr>
             <a:r>
-              <a:rPr lang="he-IL" sz="2400" dirty="0" smtClean="0">
+              <a:rPr lang="he-IL" sz="2400" dirty="0">
                 <a:solidFill>
                   <a:schemeClr val="tx1"/>
                 </a:solidFill>
@@ -4265,7 +4166,7 @@
               <a:t>לעיתים, לאחר שהגבת האם ספרה היא זוגית או אי-זוגית, תופיע שאלה לגבי </a:t>
             </a:r>
             <a:r>
-              <a:rPr lang="he-IL" sz="2400" b="1" dirty="0" smtClean="0">
+              <a:rPr lang="he-IL" sz="2400" b="1" dirty="0">
                 <a:solidFill>
                   <a:schemeClr val="tx1"/>
                 </a:solidFill>
@@ -4275,7 +4176,7 @@
               <a:t>המשפט האחרון ששמעת. </a:t>
             </a:r>
             <a:r>
-              <a:rPr lang="he-IL" sz="2400" dirty="0" smtClean="0">
+              <a:rPr lang="he-IL" sz="2400" dirty="0">
                 <a:solidFill>
                   <a:schemeClr val="tx1"/>
                 </a:solidFill>
@@ -4292,14 +4193,14 @@
               </a:lnSpc>
             </a:pPr>
             <a:r>
-              <a:rPr lang="he-IL" sz="2400" dirty="0" smtClean="0">
+              <a:rPr lang="he-IL" sz="2400" dirty="0">
                 <a:solidFill>
                   <a:schemeClr val="tx1"/>
                 </a:solidFill>
                 <a:latin typeface="David" panose="020E0502060401010101" pitchFamily="34" charset="-79"/>
                 <a:cs typeface="David" panose="020E0502060401010101" pitchFamily="34" charset="-79"/>
               </a:rPr>
-              <a:t>אם המשפט זהה, לחץ "כן", אם אינו זהה לחץ "לא". </a:t>
+              <a:t>אם המשפט זהה, לחץ "זהה", אם אינו זהה לחץ "לא זהה" במקלדת. </a:t>
             </a:r>
           </a:p>
           <a:p>
@@ -4308,51 +4209,7 @@
                 <a:spcPct val="150000"/>
               </a:lnSpc>
             </a:pPr>
-            <a:r>
-              <a:rPr lang="he-IL" sz="2400" b="1" u="sng" dirty="0" smtClean="0">
-                <a:solidFill>
-                  <a:srgbClr val="FF0000"/>
-                </a:solidFill>
-                <a:latin typeface="David" panose="020E0502060401010101" pitchFamily="34" charset="-79"/>
-                <a:cs typeface="David" panose="020E0502060401010101" pitchFamily="34" charset="-79"/>
-              </a:rPr>
-              <a:t>להחליט אם זה בכפתור על המסך ולשים כאן </a:t>
-            </a:r>
-            <a:r>
-              <a:rPr lang="he-IL" sz="2400" b="1" u="sng" dirty="0" err="1" smtClean="0">
-                <a:solidFill>
-                  <a:srgbClr val="FF0000"/>
-                </a:solidFill>
-                <a:latin typeface="David" panose="020E0502060401010101" pitchFamily="34" charset="-79"/>
-                <a:cs typeface="David" panose="020E0502060401010101" pitchFamily="34" charset="-79"/>
-              </a:rPr>
-              <a:t>אימג</a:t>
-            </a:r>
-            <a:r>
-              <a:rPr lang="he-IL" sz="2400" b="1" u="sng" dirty="0" smtClean="0">
-                <a:solidFill>
-                  <a:srgbClr val="FF0000"/>
-                </a:solidFill>
-                <a:latin typeface="David" panose="020E0502060401010101" pitchFamily="34" charset="-79"/>
-                <a:cs typeface="David" panose="020E0502060401010101" pitchFamily="34" charset="-79"/>
-              </a:rPr>
-              <a:t>' של הכפתור</a:t>
-            </a:r>
-            <a:endParaRPr lang="he-IL" sz="2400" b="1" u="sng" dirty="0">
-              <a:solidFill>
-                <a:srgbClr val="FF0000"/>
-              </a:solidFill>
-              <a:latin typeface="David" panose="020E0502060401010101" pitchFamily="34" charset="-79"/>
-              <a:cs typeface="David" panose="020E0502060401010101" pitchFamily="34" charset="-79"/>
-            </a:endParaRPr>
-          </a:p>
-          <a:p>
-            <a:pPr algn="ctr" rtl="1">
-              <a:lnSpc>
-                <a:spcPct val="150000"/>
-              </a:lnSpc>
-            </a:pPr>
-            <a:endParaRPr lang="he-IL" sz="2400" dirty="0" smtClean="0">
+            <a:endParaRPr lang="he-IL" sz="2400" dirty="0">
               <a:solidFill>
                 <a:schemeClr val="tx1"/>
               </a:solidFill>
@@ -4366,8 +4223,22 @@
                 <a:spcPct val="150000"/>
               </a:lnSpc>
             </a:pPr>
-            <a:r>
-              <a:rPr lang="he-IL" sz="2400" dirty="0" smtClean="0">
+            <a:endParaRPr lang="he-IL" sz="2400" dirty="0">
+              <a:solidFill>
+                <a:schemeClr val="tx1"/>
+              </a:solidFill>
+              <a:latin typeface="David" panose="020E0502060401010101" pitchFamily="34" charset="-79"/>
+              <a:cs typeface="David" panose="020E0502060401010101" pitchFamily="34" charset="-79"/>
+            </a:endParaRPr>
+          </a:p>
+          <a:p>
+            <a:pPr algn="ctr" rtl="1">
+              <a:lnSpc>
+                <a:spcPct val="150000"/>
+              </a:lnSpc>
+            </a:pPr>
+            <a:r>
+              <a:rPr lang="he-IL" sz="2400" dirty="0">
                 <a:solidFill>
                   <a:schemeClr val="tx1"/>
                 </a:solidFill>
@@ -4478,27 +4349,7 @@
                 <a:latin typeface="David" panose="020E0502060401010101" pitchFamily="34" charset="-79"/>
                 <a:cs typeface="David" panose="020E0502060401010101" pitchFamily="34" charset="-79"/>
               </a:rPr>
-              <a:t> </a:t>
-            </a:r>
-            <a:r>
-              <a:rPr lang="he-IL" sz="1937" u="sng" dirty="0" smtClean="0">
-                <a:solidFill>
-                  <a:schemeClr val="tx1"/>
-                </a:solidFill>
-                <a:latin typeface="David" panose="020E0502060401010101" pitchFamily="34" charset="-79"/>
-                <a:cs typeface="David" panose="020E0502060401010101" pitchFamily="34" charset="-79"/>
-              </a:rPr>
-              <a:t>לחץ/י </a:t>
-            </a:r>
-            <a:r>
-              <a:rPr lang="he-IL" sz="1937" u="sng" dirty="0">
-                <a:solidFill>
-                  <a:schemeClr val="tx1"/>
-                </a:solidFill>
-                <a:latin typeface="David" panose="020E0502060401010101" pitchFamily="34" charset="-79"/>
-                <a:cs typeface="David" panose="020E0502060401010101" pitchFamily="34" charset="-79"/>
-              </a:rPr>
-              <a:t>על אחד הכפתורים</a:t>
+              <a:t> לחץ/י על אחד הכפתורים</a:t>
             </a:r>
             <a:endParaRPr lang="he-IL" sz="1937" dirty="0">
               <a:solidFill>
@@ -4510,6 +4361,36 @@
           </a:p>
         </p:txBody>
       </p:sp>
+      <p:pic>
+        <p:nvPicPr>
+          <p:cNvPr id="6" name="Picture 5">
+            <a:extLst>
+              <a:ext uri="{FF2B5EF4-FFF2-40B4-BE49-F238E27FC236}">
+                <a16:creationId xmlns:a16="http://schemas.microsoft.com/office/drawing/2014/main" id="{1E25CF56-01DE-46FB-A215-311D92E94622}"/>
+              </a:ext>
+            </a:extLst>
+          </p:cNvPr>
+          <p:cNvPicPr>
+            <a:picLocks noChangeAspect="1"/>
+          </p:cNvPicPr>
+          <p:nvPr/>
+        </p:nvPicPr>
+        <p:blipFill>
+          <a:blip r:embed="rId2"/>
+          <a:stretch>
+            <a:fillRect/>
+          </a:stretch>
+        </p:blipFill>
+        <p:spPr>
+          <a:xfrm>
+            <a:off x="2333100" y="3429000"/>
+            <a:ext cx="7525800" cy="1171739"/>
+          </a:xfrm>
+          <a:prstGeom prst="rect">
+            <a:avLst/>
+          </a:prstGeom>
+        </p:spPr>
+      </p:pic>
     </p:spTree>
     <p:extLst>
       <p:ext uri="{BB962C8B-B14F-4D97-AF65-F5344CB8AC3E}">
@@ -4615,7 +4496,7 @@
               <a:tabLst/>
               <a:defRPr/>
             </a:pPr>
-            <a:endParaRPr kumimoji="0" lang="he-IL" sz="2400" b="0" i="0" u="none" strike="noStrike" kern="1200" cap="none" spc="0" normalizeH="0" baseline="0" noProof="0" dirty="0" smtClean="0">
+            <a:endParaRPr kumimoji="0" lang="he-IL" sz="2400" b="0" i="0" u="none" strike="noStrike" kern="1200" cap="none" spc="0" normalizeH="0" baseline="0" noProof="0" dirty="0">
               <a:ln>
                 <a:noFill/>
               </a:ln>
@@ -4649,7 +4530,7 @@
               <a:defRPr/>
             </a:pPr>
             <a:r>
-              <a:rPr kumimoji="0" lang="he-IL" sz="2400" b="0" i="0" u="none" strike="noStrike" kern="1200" cap="none" spc="0" normalizeH="0" baseline="0" noProof="0" dirty="0" smtClean="0">
+              <a:rPr kumimoji="0" lang="he-IL" sz="2400" b="0" i="0" u="none" strike="noStrike" kern="1200" cap="none" spc="0" normalizeH="0" baseline="0" noProof="0" dirty="0">
                 <a:ln>
                   <a:noFill/>
                 </a:ln>
@@ -4685,7 +4566,7 @@
               <a:defRPr/>
             </a:pPr>
             <a:r>
-              <a:rPr lang="he-IL" sz="2400" dirty="0" smtClean="0">
+              <a:rPr lang="he-IL" sz="2400" dirty="0">
                 <a:solidFill>
                   <a:prstClr val="black"/>
                 </a:solidFill>
@@ -4695,7 +4576,7 @@
               <a:t>כלומר, עליך להחליט אם הספרה במרכז ה-</a:t>
             </a:r>
             <a:r>
-              <a:rPr lang="en-US" sz="2400" dirty="0" smtClean="0">
+              <a:rPr lang="en-US" sz="2400" dirty="0">
                 <a:solidFill>
                   <a:prstClr val="black"/>
                 </a:solidFill>
@@ -4705,7 +4586,7 @@
               <a:t>XXX</a:t>
             </a:r>
             <a:r>
-              <a:rPr lang="he-IL" sz="2400" dirty="0" smtClean="0">
+              <a:rPr lang="he-IL" sz="2400" dirty="0">
                 <a:solidFill>
                   <a:prstClr val="black"/>
                 </a:solidFill>
@@ -4715,7 +4596,7 @@
               <a:t> </a:t>
             </a:r>
             <a:r>
-              <a:rPr lang="he-IL" sz="2400" b="1" dirty="0" smtClean="0">
+              <a:rPr lang="he-IL" sz="2400" b="1" dirty="0">
                 <a:solidFill>
                   <a:prstClr val="black"/>
                 </a:solidFill>
@@ -4725,7 +4606,7 @@
               <a:t>זוגית או אי-זוגית</a:t>
             </a:r>
             <a:r>
-              <a:rPr lang="he-IL" sz="2400" dirty="0" smtClean="0">
+              <a:rPr lang="he-IL" sz="2400" dirty="0">
                 <a:solidFill>
                   <a:prstClr val="black"/>
                 </a:solidFill>
@@ -4787,7 +4668,7 @@
               <a:defRPr/>
             </a:pPr>
             <a:r>
-              <a:rPr lang="he-IL" sz="2400" dirty="0" smtClean="0">
+              <a:rPr lang="he-IL" sz="2400" dirty="0">
                 <a:solidFill>
                   <a:prstClr val="black"/>
                 </a:solidFill>
@@ -4930,41 +4811,7 @@
                 <a:ea typeface="+mn-ea"/>
                 <a:cs typeface="David" panose="020E0502060401010101" pitchFamily="34" charset="-79"/>
               </a:rPr>
-              <a:t> </a:t>
-            </a:r>
-            <a:r>
-              <a:rPr kumimoji="0" lang="he-IL" sz="1937" b="0" i="0" u="sng" strike="noStrike" kern="1200" cap="none" spc="0" normalizeH="0" baseline="0" noProof="0" dirty="0" smtClean="0">
-                <a:ln>
-                  <a:noFill/>
-                </a:ln>
-                <a:solidFill>
-                  <a:prstClr val="black"/>
-                </a:solidFill>
-                <a:effectLst/>
-                <a:uLnTx/>
-                <a:uFillTx/>
-                <a:latin typeface="David" panose="020E0502060401010101" pitchFamily="34" charset="-79"/>
-                <a:ea typeface="+mn-ea"/>
-                <a:cs typeface="David" panose="020E0502060401010101" pitchFamily="34" charset="-79"/>
-              </a:rPr>
-              <a:t>לחץ/י </a:t>
-            </a:r>
-            <a:r>
-              <a:rPr kumimoji="0" lang="he-IL" sz="1937" b="0" i="0" u="sng" strike="noStrike" kern="1200" cap="none" spc="0" normalizeH="0" baseline="0" noProof="0" dirty="0">
-                <a:ln>
-                  <a:noFill/>
-                </a:ln>
-                <a:solidFill>
-                  <a:prstClr val="black"/>
-                </a:solidFill>
-                <a:effectLst/>
-                <a:uLnTx/>
-                <a:uFillTx/>
-                <a:latin typeface="David" panose="020E0502060401010101" pitchFamily="34" charset="-79"/>
-                <a:ea typeface="+mn-ea"/>
-                <a:cs typeface="David" panose="020E0502060401010101" pitchFamily="34" charset="-79"/>
-              </a:rPr>
-              <a:t>על אחד הכפתורים</a:t>
+              <a:t> לחץ/י על אחד הכפתורים</a:t>
             </a:r>
             <a:endParaRPr kumimoji="0" lang="he-IL" sz="1937" b="0" i="0" u="none" strike="noStrike" kern="1200" cap="none" spc="0" normalizeH="0" baseline="0" noProof="0" dirty="0">
               <a:ln>
@@ -5076,7 +4923,7 @@
                 <a:spcPct val="150000"/>
               </a:lnSpc>
             </a:pPr>
-            <a:endParaRPr lang="he-IL" sz="1553" dirty="0" smtClean="0">
+            <a:endParaRPr lang="he-IL" sz="1553" dirty="0">
               <a:solidFill>
                 <a:schemeClr val="tx1"/>
               </a:solidFill>
@@ -5091,7 +4938,7 @@
               </a:lnSpc>
             </a:pPr>
             <a:r>
-              <a:rPr lang="he-IL" sz="3200" b="1" dirty="0" smtClean="0">
+              <a:rPr lang="he-IL" sz="3200" b="1" dirty="0">
                 <a:solidFill>
                   <a:schemeClr val="tx1"/>
                 </a:solidFill>
@@ -5108,7 +4955,7 @@
               </a:lnSpc>
             </a:pPr>
             <a:r>
-              <a:rPr lang="he-IL" sz="3200" b="1" dirty="0" smtClean="0">
+              <a:rPr lang="he-IL" sz="3200" b="1" dirty="0">
                 <a:solidFill>
                   <a:schemeClr val="tx1"/>
                 </a:solidFill>
@@ -5117,7 +4964,7 @@
               </a:rPr>
               <a:t>תודה</a:t>
             </a:r>
-            <a:endParaRPr lang="he-IL" sz="2400" b="1" dirty="0" smtClean="0">
+            <a:endParaRPr lang="he-IL" sz="2400" b="1" dirty="0">
               <a:solidFill>
                 <a:schemeClr val="tx1"/>
               </a:solidFill>
@@ -5131,7 +4978,7 @@
                 <a:spcPct val="150000"/>
               </a:lnSpc>
             </a:pPr>
-            <a:endParaRPr lang="he-IL" sz="1553" dirty="0" smtClean="0">
+            <a:endParaRPr lang="he-IL" sz="1553" dirty="0">
               <a:solidFill>
                 <a:schemeClr val="tx1"/>
               </a:solidFill>
@@ -5226,27 +5073,7 @@
                 <a:latin typeface="David" panose="020E0502060401010101" pitchFamily="34" charset="-79"/>
                 <a:cs typeface="David" panose="020E0502060401010101" pitchFamily="34" charset="-79"/>
               </a:rPr>
-              <a:t> </a:t>
-            </a:r>
-            <a:r>
-              <a:rPr lang="he-IL" sz="1937" u="sng" dirty="0" smtClean="0">
-                <a:solidFill>
-                  <a:schemeClr val="tx1"/>
-                </a:solidFill>
-                <a:latin typeface="David" panose="020E0502060401010101" pitchFamily="34" charset="-79"/>
-                <a:cs typeface="David" panose="020E0502060401010101" pitchFamily="34" charset="-79"/>
-              </a:rPr>
-              <a:t>לחץ/י </a:t>
-            </a:r>
-            <a:r>
-              <a:rPr lang="he-IL" sz="1937" u="sng" dirty="0">
-                <a:solidFill>
-                  <a:schemeClr val="tx1"/>
-                </a:solidFill>
-                <a:latin typeface="David" panose="020E0502060401010101" pitchFamily="34" charset="-79"/>
-                <a:cs typeface="David" panose="020E0502060401010101" pitchFamily="34" charset="-79"/>
-              </a:rPr>
-              <a:t>על אחד הכפתורים</a:t>
+              <a:t> לחץ/י על אחד הכפתורים</a:t>
             </a:r>
             <a:endParaRPr lang="he-IL" sz="1937" dirty="0">
               <a:solidFill>
@@ -5262,6 +5089,268 @@
     <p:extLst>
       <p:ext uri="{BB962C8B-B14F-4D97-AF65-F5344CB8AC3E}">
         <p14:creationId xmlns:p14="http://schemas.microsoft.com/office/powerpoint/2010/main" val="887549229"/>
+      </p:ext>
+    </p:extLst>
+  </p:cSld>
+  <p:clrMapOvr>
+    <a:masterClrMapping/>
+  </p:clrMapOvr>
+</p:sld>
+</file>
+
+<file path=ppt/slides/slide7.xml><?xml version="1.0" encoding="utf-8"?>
+<p:sld xmlns:a="http://schemas.openxmlformats.org/drawingml/2006/main" xmlns:r="http://schemas.openxmlformats.org/officeDocument/2006/relationships" xmlns:p="http://schemas.openxmlformats.org/presentationml/2006/main">
+  <p:cSld>
+    <p:spTree>
+      <p:nvGrpSpPr>
+        <p:cNvPr id="1" name=""/>
+        <p:cNvGrpSpPr/>
+        <p:nvPr/>
+      </p:nvGrpSpPr>
+      <p:grpSpPr>
+        <a:xfrm>
+          <a:off x="0" y="0"/>
+          <a:ext cx="0" cy="0"/>
+          <a:chOff x="0" y="0"/>
+          <a:chExt cx="0" cy="0"/>
+        </a:xfrm>
+      </p:grpSpPr>
+      <p:pic>
+        <p:nvPicPr>
+          <p:cNvPr id="5" name="Content Placeholder 4" descr="A close up of a keyboard&#10;&#10;Description automatically generated">
+            <a:extLst>
+              <a:ext uri="{FF2B5EF4-FFF2-40B4-BE49-F238E27FC236}">
+                <a16:creationId xmlns:a16="http://schemas.microsoft.com/office/drawing/2014/main" id="{E9D4D51C-3245-4DC2-A488-E80ED156C853}"/>
+              </a:ext>
+            </a:extLst>
+          </p:cNvPr>
+          <p:cNvPicPr>
+            <a:picLocks noGrp="1" noChangeAspect="1"/>
+          </p:cNvPicPr>
+          <p:nvPr>
+            <p:ph idx="1"/>
+          </p:nvPr>
+        </p:nvPicPr>
+        <p:blipFill rotWithShape="1">
+          <a:blip r:embed="rId2" cstate="print">
+            <a:extLst>
+              <a:ext uri="{28A0092B-C50C-407E-A947-70E740481C1C}">
+                <a14:useLocalDpi xmlns:a14="http://schemas.microsoft.com/office/drawing/2010/main" val="0"/>
+              </a:ext>
+            </a:extLst>
+          </a:blip>
+          <a:srcRect b="33513"/>
+          <a:stretch/>
+        </p:blipFill>
+        <p:spPr>
+          <a:xfrm>
+            <a:off x="838200" y="3615691"/>
+            <a:ext cx="10515600" cy="1665757"/>
+          </a:xfrm>
+        </p:spPr>
+      </p:pic>
+      <p:sp>
+        <p:nvSpPr>
+          <p:cNvPr id="6" name="Rectangle: Rounded Corners 5">
+            <a:extLst>
+              <a:ext uri="{FF2B5EF4-FFF2-40B4-BE49-F238E27FC236}">
+                <a16:creationId xmlns:a16="http://schemas.microsoft.com/office/drawing/2014/main" id="{04B2F178-3FAA-4C18-8D19-0D4A805225CA}"/>
+              </a:ext>
+            </a:extLst>
+          </p:cNvPr>
+          <p:cNvSpPr/>
+          <p:nvPr/>
+        </p:nvSpPr>
+        <p:spPr>
+          <a:xfrm>
+            <a:off x="9819403" y="3848801"/>
+            <a:ext cx="1355835" cy="358307"/>
+          </a:xfrm>
+          <a:prstGeom prst="roundRect">
+            <a:avLst/>
+          </a:prstGeom>
+        </p:spPr>
+        <p:style>
+          <a:lnRef idx="3">
+            <a:schemeClr val="lt1"/>
+          </a:lnRef>
+          <a:fillRef idx="1">
+            <a:schemeClr val="accent2"/>
+          </a:fillRef>
+          <a:effectRef idx="1">
+            <a:schemeClr val="accent2"/>
+          </a:effectRef>
+          <a:fontRef idx="minor">
+            <a:schemeClr val="lt1"/>
+          </a:fontRef>
+        </p:style>
+        <p:txBody>
+          <a:bodyPr rtlCol="0" anchor="ctr"/>
+          <a:lstStyle/>
+          <a:p>
+            <a:pPr algn="ctr"/>
+            <a:r>
+              <a:rPr lang="he-IL" sz="2800" dirty="0"/>
+              <a:t>זוגי</a:t>
+            </a:r>
+            <a:endParaRPr lang="en-US" sz="2800" dirty="0"/>
+          </a:p>
+        </p:txBody>
+      </p:sp>
+      <p:sp>
+        <p:nvSpPr>
+          <p:cNvPr id="7" name="Rectangle: Rounded Corners 6">
+            <a:extLst>
+              <a:ext uri="{FF2B5EF4-FFF2-40B4-BE49-F238E27FC236}">
+                <a16:creationId xmlns:a16="http://schemas.microsoft.com/office/drawing/2014/main" id="{4B0C1C9C-3380-41CC-B27F-C3217E2FBCB1}"/>
+              </a:ext>
+            </a:extLst>
+          </p:cNvPr>
+          <p:cNvSpPr/>
+          <p:nvPr/>
+        </p:nvSpPr>
+        <p:spPr>
+          <a:xfrm>
+            <a:off x="7897155" y="5685182"/>
+            <a:ext cx="623992" cy="503582"/>
+          </a:xfrm>
+          <a:prstGeom prst="roundRect">
+            <a:avLst/>
+          </a:prstGeom>
+        </p:spPr>
+        <p:style>
+          <a:lnRef idx="3">
+            <a:schemeClr val="lt1"/>
+          </a:lnRef>
+          <a:fillRef idx="1">
+            <a:schemeClr val="accent6"/>
+          </a:fillRef>
+          <a:effectRef idx="1">
+            <a:schemeClr val="accent6"/>
+          </a:effectRef>
+          <a:fontRef idx="minor">
+            <a:schemeClr val="lt1"/>
+          </a:fontRef>
+        </p:style>
+        <p:txBody>
+          <a:bodyPr rtlCol="0" anchor="ctr"/>
+          <a:lstStyle/>
+          <a:p>
+            <a:pPr algn="ctr"/>
+            <a:r>
+              <a:rPr lang="he-IL" dirty="0"/>
+              <a:t>זהה</a:t>
+            </a:r>
+            <a:endParaRPr lang="en-US" dirty="0"/>
+          </a:p>
+        </p:txBody>
+      </p:sp>
+      <p:sp>
+        <p:nvSpPr>
+          <p:cNvPr id="8" name="Rectangle: Rounded Corners 7">
+            <a:extLst>
+              <a:ext uri="{FF2B5EF4-FFF2-40B4-BE49-F238E27FC236}">
+                <a16:creationId xmlns:a16="http://schemas.microsoft.com/office/drawing/2014/main" id="{2923D580-BFFB-47EF-A1A9-75AE9B928485}"/>
+              </a:ext>
+            </a:extLst>
+          </p:cNvPr>
+          <p:cNvSpPr/>
+          <p:nvPr/>
+        </p:nvSpPr>
+        <p:spPr>
+          <a:xfrm>
+            <a:off x="3610594" y="5685182"/>
+            <a:ext cx="623992" cy="503582"/>
+          </a:xfrm>
+          <a:prstGeom prst="roundRect">
+            <a:avLst/>
+          </a:prstGeom>
+          <a:solidFill>
+            <a:srgbClr val="FF0000"/>
+          </a:solidFill>
+        </p:spPr>
+        <p:style>
+          <a:lnRef idx="3">
+            <a:schemeClr val="lt1"/>
+          </a:lnRef>
+          <a:fillRef idx="1">
+            <a:schemeClr val="accent6"/>
+          </a:fillRef>
+          <a:effectRef idx="1">
+            <a:schemeClr val="accent6"/>
+          </a:effectRef>
+          <a:fontRef idx="minor">
+            <a:schemeClr val="lt1"/>
+          </a:fontRef>
+        </p:style>
+        <p:txBody>
+          <a:bodyPr rtlCol="0" anchor="ctr"/>
+          <a:lstStyle/>
+          <a:p>
+            <a:pPr algn="ctr"/>
+            <a:r>
+              <a:rPr lang="he-IL" dirty="0"/>
+              <a:t>לא זהה</a:t>
+            </a:r>
+            <a:endParaRPr lang="en-US" dirty="0"/>
+          </a:p>
+        </p:txBody>
+      </p:sp>
+      <p:sp>
+        <p:nvSpPr>
+          <p:cNvPr id="9" name="Rectangle: Rounded Corners 8">
+            <a:extLst>
+              <a:ext uri="{FF2B5EF4-FFF2-40B4-BE49-F238E27FC236}">
+                <a16:creationId xmlns:a16="http://schemas.microsoft.com/office/drawing/2014/main" id="{8A0A28CC-CABE-4327-9F8C-D5D06B707A3D}"/>
+              </a:ext>
+            </a:extLst>
+          </p:cNvPr>
+          <p:cNvSpPr/>
+          <p:nvPr/>
+        </p:nvSpPr>
+        <p:spPr>
+          <a:xfrm>
+            <a:off x="1043266" y="3819977"/>
+            <a:ext cx="1355835" cy="358307"/>
+          </a:xfrm>
+          <a:prstGeom prst="roundRect">
+            <a:avLst/>
+          </a:prstGeom>
+          <a:solidFill>
+            <a:srgbClr val="0070C0"/>
+          </a:solidFill>
+        </p:spPr>
+        <p:style>
+          <a:lnRef idx="3">
+            <a:schemeClr val="lt1"/>
+          </a:lnRef>
+          <a:fillRef idx="1">
+            <a:schemeClr val="accent2"/>
+          </a:fillRef>
+          <a:effectRef idx="1">
+            <a:schemeClr val="accent2"/>
+          </a:effectRef>
+          <a:fontRef idx="minor">
+            <a:schemeClr val="lt1"/>
+          </a:fontRef>
+        </p:style>
+        <p:txBody>
+          <a:bodyPr rtlCol="0" anchor="ctr"/>
+          <a:lstStyle/>
+          <a:p>
+            <a:pPr algn="ctr"/>
+            <a:r>
+              <a:rPr lang="he-IL" sz="2800" dirty="0"/>
+              <a:t>אי-זוגי</a:t>
+            </a:r>
+            <a:endParaRPr lang="en-US" sz="2800" dirty="0"/>
+          </a:p>
+        </p:txBody>
+      </p:sp>
+    </p:spTree>
+    <p:extLst>
+      <p:ext uri="{BB962C8B-B14F-4D97-AF65-F5344CB8AC3E}">
+        <p14:creationId xmlns:p14="http://schemas.microsoft.com/office/powerpoint/2010/main" val="1626289615"/>
       </p:ext>
     </p:extLst>
   </p:cSld>

--- a/Instructions_Pictures/Digitnew/DigitInstTomerOmer.pptx
+++ b/Instructions_Pictures/Digitnew/DigitInstTomerOmer.pptx
@@ -11,7 +11,8 @@
     <p:sldId id="261" r:id="rId5"/>
     <p:sldId id="264" r:id="rId6"/>
     <p:sldId id="263" r:id="rId7"/>
-    <p:sldId id="265" r:id="rId8"/>
+    <p:sldId id="266" r:id="rId8"/>
+    <p:sldId id="265" r:id="rId9"/>
   </p:sldIdLst>
   <p:sldSz cx="12192000" cy="6858000"/>
   <p:notesSz cx="6858000" cy="9144000"/>
@@ -249,7 +250,7 @@
           <a:p>
             <a:fld id="{4476BBAF-3BF1-4078-A5DF-44D473DCBE61}" type="datetimeFigureOut">
               <a:rPr lang="he-IL" smtClean="0"/>
-              <a:t>כ'/אדר/תש"ף</a:t>
+              <a:t>כ"ח/תמוז/תש"ף</a:t>
             </a:fld>
             <a:endParaRPr lang="he-IL"/>
           </a:p>
@@ -419,7 +420,7 @@
           <a:p>
             <a:fld id="{4476BBAF-3BF1-4078-A5DF-44D473DCBE61}" type="datetimeFigureOut">
               <a:rPr lang="he-IL" smtClean="0"/>
-              <a:t>כ'/אדר/תש"ף</a:t>
+              <a:t>כ"ח/תמוז/תש"ף</a:t>
             </a:fld>
             <a:endParaRPr lang="he-IL"/>
           </a:p>
@@ -599,7 +600,7 @@
           <a:p>
             <a:fld id="{4476BBAF-3BF1-4078-A5DF-44D473DCBE61}" type="datetimeFigureOut">
               <a:rPr lang="he-IL" smtClean="0"/>
-              <a:t>כ'/אדר/תש"ף</a:t>
+              <a:t>כ"ח/תמוז/תש"ף</a:t>
             </a:fld>
             <a:endParaRPr lang="he-IL"/>
           </a:p>
@@ -769,7 +770,7 @@
           <a:p>
             <a:fld id="{4476BBAF-3BF1-4078-A5DF-44D473DCBE61}" type="datetimeFigureOut">
               <a:rPr lang="he-IL" smtClean="0"/>
-              <a:t>כ'/אדר/תש"ף</a:t>
+              <a:t>כ"ח/תמוז/תש"ף</a:t>
             </a:fld>
             <a:endParaRPr lang="he-IL"/>
           </a:p>
@@ -1015,7 +1016,7 @@
           <a:p>
             <a:fld id="{4476BBAF-3BF1-4078-A5DF-44D473DCBE61}" type="datetimeFigureOut">
               <a:rPr lang="he-IL" smtClean="0"/>
-              <a:t>כ'/אדר/תש"ף</a:t>
+              <a:t>כ"ח/תמוז/תש"ף</a:t>
             </a:fld>
             <a:endParaRPr lang="he-IL"/>
           </a:p>
@@ -1247,7 +1248,7 @@
           <a:p>
             <a:fld id="{4476BBAF-3BF1-4078-A5DF-44D473DCBE61}" type="datetimeFigureOut">
               <a:rPr lang="he-IL" smtClean="0"/>
-              <a:t>כ'/אדר/תש"ף</a:t>
+              <a:t>כ"ח/תמוז/תש"ף</a:t>
             </a:fld>
             <a:endParaRPr lang="he-IL"/>
           </a:p>
@@ -1614,7 +1615,7 @@
           <a:p>
             <a:fld id="{4476BBAF-3BF1-4078-A5DF-44D473DCBE61}" type="datetimeFigureOut">
               <a:rPr lang="he-IL" smtClean="0"/>
-              <a:t>כ'/אדר/תש"ף</a:t>
+              <a:t>כ"ח/תמוז/תש"ף</a:t>
             </a:fld>
             <a:endParaRPr lang="he-IL"/>
           </a:p>
@@ -1732,7 +1733,7 @@
           <a:p>
             <a:fld id="{4476BBAF-3BF1-4078-A5DF-44D473DCBE61}" type="datetimeFigureOut">
               <a:rPr lang="he-IL" smtClean="0"/>
-              <a:t>כ'/אדר/תש"ף</a:t>
+              <a:t>כ"ח/תמוז/תש"ף</a:t>
             </a:fld>
             <a:endParaRPr lang="he-IL"/>
           </a:p>
@@ -1827,7 +1828,7 @@
           <a:p>
             <a:fld id="{4476BBAF-3BF1-4078-A5DF-44D473DCBE61}" type="datetimeFigureOut">
               <a:rPr lang="he-IL" smtClean="0"/>
-              <a:t>כ'/אדר/תש"ף</a:t>
+              <a:t>כ"ח/תמוז/תש"ף</a:t>
             </a:fld>
             <a:endParaRPr lang="he-IL"/>
           </a:p>
@@ -2104,7 +2105,7 @@
           <a:p>
             <a:fld id="{4476BBAF-3BF1-4078-A5DF-44D473DCBE61}" type="datetimeFigureOut">
               <a:rPr lang="he-IL" smtClean="0"/>
-              <a:t>כ'/אדר/תש"ף</a:t>
+              <a:t>כ"ח/תמוז/תש"ף</a:t>
             </a:fld>
             <a:endParaRPr lang="he-IL"/>
           </a:p>
@@ -2357,7 +2358,7 @@
           <a:p>
             <a:fld id="{4476BBAF-3BF1-4078-A5DF-44D473DCBE61}" type="datetimeFigureOut">
               <a:rPr lang="he-IL" smtClean="0"/>
-              <a:t>כ'/אדר/תש"ף</a:t>
+              <a:t>כ"ח/תמוז/תש"ף</a:t>
             </a:fld>
             <a:endParaRPr lang="he-IL"/>
           </a:p>
@@ -2570,7 +2571,7 @@
           <a:p>
             <a:fld id="{4476BBAF-3BF1-4078-A5DF-44D473DCBE61}" type="datetimeFigureOut">
               <a:rPr lang="he-IL" smtClean="0"/>
-              <a:t>כ'/אדר/תש"ף</a:t>
+              <a:t>כ"ח/תמוז/תש"ף</a:t>
             </a:fld>
             <a:endParaRPr lang="he-IL"/>
           </a:p>
@@ -3353,7 +3354,17 @@
                 <a:latin typeface="David" panose="020E0502060401010101" pitchFamily="34" charset="-79"/>
                 <a:cs typeface="David" panose="020E0502060401010101" pitchFamily="34" charset="-79"/>
               </a:rPr>
-              <a:t> לחץ/י על אחד הכפתורים</a:t>
+              <a:t> לחץ/י על </a:t>
+            </a:r>
+            <a:r>
+              <a:rPr lang="he-IL" sz="1937" u="sng" dirty="0" smtClean="0">
+                <a:solidFill>
+                  <a:schemeClr val="tx1"/>
+                </a:solidFill>
+                <a:latin typeface="David" panose="020E0502060401010101" pitchFamily="34" charset="-79"/>
+                <a:cs typeface="David" panose="020E0502060401010101" pitchFamily="34" charset="-79"/>
+              </a:rPr>
+              <a:t>מקש רווח</a:t>
             </a:r>
             <a:endParaRPr lang="he-IL" sz="1937" dirty="0">
               <a:solidFill>
@@ -3735,7 +3746,7 @@
                 <a:latin typeface="David" panose="020E0502060401010101" pitchFamily="34" charset="-79"/>
                 <a:cs typeface="David" panose="020E0502060401010101" pitchFamily="34" charset="-79"/>
               </a:rPr>
-              <a:t> לחץ/י על אחד הכפתורים</a:t>
+              <a:t> לחץ/י על מקש רווח</a:t>
             </a:r>
             <a:endParaRPr lang="he-IL" sz="1937" dirty="0">
               <a:solidFill>
@@ -4036,7 +4047,7 @@
                 <a:latin typeface="David" panose="020E0502060401010101" pitchFamily="34" charset="-79"/>
                 <a:cs typeface="David" panose="020E0502060401010101" pitchFamily="34" charset="-79"/>
               </a:rPr>
-              <a:t> לחץ/י על אחד הכפתורים</a:t>
+              <a:t> לחץ/י על מקש רווח</a:t>
             </a:r>
             <a:endParaRPr lang="he-IL" sz="1937" dirty="0">
               <a:solidFill>
@@ -4349,7 +4360,7 @@
                 <a:latin typeface="David" panose="020E0502060401010101" pitchFamily="34" charset="-79"/>
                 <a:cs typeface="David" panose="020E0502060401010101" pitchFamily="34" charset="-79"/>
               </a:rPr>
-              <a:t> לחץ/י על אחד הכפתורים</a:t>
+              <a:t> לחץ/י על מקש רווח</a:t>
             </a:r>
             <a:endParaRPr lang="he-IL" sz="1937" dirty="0">
               <a:solidFill>
@@ -4779,21 +4790,7 @@
             </a:r>
           </a:p>
           <a:p>
-            <a:pPr marL="0" marR="0" lvl="0" indent="0" algn="ctr" defTabSz="914400" rtl="1" eaLnBrk="1" fontAlgn="auto" latinLnBrk="0" hangingPunct="1">
-              <a:lnSpc>
-                <a:spcPct val="100000"/>
-              </a:lnSpc>
-              <a:spcBef>
-                <a:spcPts val="0"/>
-              </a:spcBef>
-              <a:spcAft>
-                <a:spcPts val="0"/>
-              </a:spcAft>
-              <a:buClrTx/>
-              <a:buSzTx/>
-              <a:buFontTx/>
-              <a:buNone/>
-              <a:tabLst/>
+            <a:pPr algn="ctr" rtl="1">
               <a:defRPr/>
             </a:pPr>
             <a:r>
@@ -4811,20 +4808,33 @@
                 <a:ea typeface="+mn-ea"/>
                 <a:cs typeface="David" panose="020E0502060401010101" pitchFamily="34" charset="-79"/>
               </a:rPr>
-              <a:t> לחץ/י על אחד הכפתורים</a:t>
-            </a:r>
-            <a:endParaRPr kumimoji="0" lang="he-IL" sz="1937" b="0" i="0" u="none" strike="noStrike" kern="1200" cap="none" spc="0" normalizeH="0" baseline="0" noProof="0" dirty="0">
-              <a:ln>
-                <a:noFill/>
-              </a:ln>
+              <a:t> לחץ/י על </a:t>
+            </a:r>
+            <a:r>
+              <a:rPr lang="he-IL" sz="1937" u="sng" dirty="0">
+                <a:solidFill>
+                  <a:schemeClr val="tx1"/>
+                </a:solidFill>
+                <a:latin typeface="David" panose="020E0502060401010101" pitchFamily="34" charset="-79"/>
+                <a:cs typeface="David" panose="020E0502060401010101" pitchFamily="34" charset="-79"/>
+              </a:rPr>
+              <a:t>מקש </a:t>
+            </a:r>
+            <a:r>
+              <a:rPr lang="he-IL" sz="1937" u="sng" dirty="0" smtClean="0">
+                <a:solidFill>
+                  <a:schemeClr val="tx1"/>
+                </a:solidFill>
+                <a:latin typeface="David" panose="020E0502060401010101" pitchFamily="34" charset="-79"/>
+                <a:cs typeface="David" panose="020E0502060401010101" pitchFamily="34" charset="-79"/>
+              </a:rPr>
+              <a:t>רווח</a:t>
+            </a:r>
+            <a:endParaRPr lang="he-IL" sz="1937" dirty="0">
               <a:solidFill>
-                <a:prstClr val="black"/>
+                <a:schemeClr val="tx1"/>
               </a:solidFill>
-              <a:effectLst/>
-              <a:uLnTx/>
-              <a:uFillTx/>
               <a:latin typeface="David" panose="020E0502060401010101" pitchFamily="34" charset="-79"/>
-              <a:ea typeface="+mn-ea"/>
               <a:cs typeface="David" panose="020E0502060401010101" pitchFamily="34" charset="-79"/>
             </a:endParaRPr>
           </a:p>
@@ -5073,7 +5083,7 @@
                 <a:latin typeface="David" panose="020E0502060401010101" pitchFamily="34" charset="-79"/>
                 <a:cs typeface="David" panose="020E0502060401010101" pitchFamily="34" charset="-79"/>
               </a:rPr>
-              <a:t> לחץ/י על אחד הכפתורים</a:t>
+              <a:t> לחץ/י על מקש רווח</a:t>
             </a:r>
             <a:endParaRPr lang="he-IL" sz="1937" dirty="0">
               <a:solidFill>
@@ -5099,6 +5109,531 @@
 </file>
 
 <file path=ppt/slides/slide7.xml><?xml version="1.0" encoding="utf-8"?>
+<p:sld xmlns:a="http://schemas.openxmlformats.org/drawingml/2006/main" xmlns:r="http://schemas.openxmlformats.org/officeDocument/2006/relationships" xmlns:p="http://schemas.openxmlformats.org/presentationml/2006/main">
+  <p:cSld>
+    <p:bg>
+      <p:bgPr>
+        <a:solidFill>
+          <a:schemeClr val="tx1"/>
+        </a:solidFill>
+        <a:effectLst/>
+      </p:bgPr>
+    </p:bg>
+    <p:spTree>
+      <p:nvGrpSpPr>
+        <p:cNvPr id="1" name=""/>
+        <p:cNvGrpSpPr/>
+        <p:nvPr/>
+      </p:nvGrpSpPr>
+      <p:grpSpPr>
+        <a:xfrm>
+          <a:off x="0" y="0"/>
+          <a:ext cx="0" cy="0"/>
+          <a:chOff x="0" y="0"/>
+          <a:chExt cx="0" cy="0"/>
+        </a:xfrm>
+      </p:grpSpPr>
+      <p:sp>
+        <p:nvSpPr>
+          <p:cNvPr id="4" name="Rectangle 3"/>
+          <p:cNvSpPr>
+            <a:spLocks/>
+          </p:cNvSpPr>
+          <p:nvPr/>
+        </p:nvSpPr>
+        <p:spPr>
+          <a:xfrm>
+            <a:off x="2065971" y="577526"/>
+            <a:ext cx="8071946" cy="4969278"/>
+          </a:xfrm>
+          <a:prstGeom prst="rect">
+            <a:avLst/>
+          </a:prstGeom>
+          <a:solidFill>
+            <a:schemeClr val="bg1">
+              <a:lumMod val="65000"/>
+            </a:schemeClr>
+          </a:solidFill>
+          <a:ln w="76200">
+            <a:solidFill>
+              <a:schemeClr val="tx1">
+                <a:lumMod val="65000"/>
+                <a:lumOff val="35000"/>
+              </a:schemeClr>
+            </a:solidFill>
+          </a:ln>
+        </p:spPr>
+        <p:style>
+          <a:lnRef idx="2">
+            <a:schemeClr val="accent1">
+              <a:shade val="50000"/>
+            </a:schemeClr>
+          </a:lnRef>
+          <a:fillRef idx="1">
+            <a:schemeClr val="accent1"/>
+          </a:fillRef>
+          <a:effectRef idx="0">
+            <a:schemeClr val="accent1"/>
+          </a:effectRef>
+          <a:fontRef idx="minor">
+            <a:schemeClr val="lt1"/>
+          </a:fontRef>
+        </p:style>
+        <p:txBody>
+          <a:bodyPr lIns="160949" tIns="80476" rIns="160949" bIns="80476" rtlCol="1" anchor="ctr"/>
+          <a:lstStyle/>
+          <a:p>
+            <a:pPr marL="0" marR="0" lvl="0" indent="0" algn="r" defTabSz="914400" rtl="1" eaLnBrk="1" fontAlgn="auto" latinLnBrk="0" hangingPunct="1">
+              <a:lnSpc>
+                <a:spcPct val="150000"/>
+              </a:lnSpc>
+              <a:spcBef>
+                <a:spcPts val="0"/>
+              </a:spcBef>
+              <a:spcAft>
+                <a:spcPts val="0"/>
+              </a:spcAft>
+              <a:buClrTx/>
+              <a:buSzTx/>
+              <a:buFontTx/>
+              <a:buNone/>
+              <a:tabLst/>
+              <a:defRPr/>
+            </a:pPr>
+            <a:endParaRPr kumimoji="0" lang="he-IL" sz="1553" b="0" i="0" u="none" strike="noStrike" kern="1200" cap="none" spc="0" normalizeH="0" baseline="0" noProof="0" dirty="0" smtClean="0">
+              <a:ln>
+                <a:noFill/>
+              </a:ln>
+              <a:solidFill>
+                <a:prstClr val="black"/>
+              </a:solidFill>
+              <a:effectLst/>
+              <a:uLnTx/>
+              <a:uFillTx/>
+              <a:latin typeface="David" panose="020E0502060401010101" pitchFamily="34" charset="-79"/>
+              <a:ea typeface="+mn-ea"/>
+              <a:cs typeface="David" panose="020E0502060401010101" pitchFamily="34" charset="-79"/>
+            </a:endParaRPr>
+          </a:p>
+          <a:p>
+            <a:pPr marL="0" marR="0" lvl="0" indent="0" algn="ctr" defTabSz="914400" rtl="1" eaLnBrk="1" fontAlgn="auto" latinLnBrk="0" hangingPunct="1">
+              <a:lnSpc>
+                <a:spcPct val="150000"/>
+              </a:lnSpc>
+              <a:spcBef>
+                <a:spcPts val="0"/>
+              </a:spcBef>
+              <a:spcAft>
+                <a:spcPts val="0"/>
+              </a:spcAft>
+              <a:buClrTx/>
+              <a:buSzTx/>
+              <a:buFontTx/>
+              <a:buNone/>
+              <a:tabLst/>
+              <a:defRPr/>
+            </a:pPr>
+            <a:r>
+              <a:rPr kumimoji="0" lang="he-IL" sz="4400" b="1" i="0" u="none" strike="noStrike" kern="1200" cap="none" spc="0" normalizeH="0" baseline="0" noProof="0" dirty="0" smtClean="0">
+                <a:ln>
+                  <a:noFill/>
+                </a:ln>
+                <a:solidFill>
+                  <a:prstClr val="black"/>
+                </a:solidFill>
+                <a:effectLst/>
+                <a:uLnTx/>
+                <a:uFillTx/>
+                <a:latin typeface="David" panose="020E0502060401010101" pitchFamily="34" charset="-79"/>
+                <a:ea typeface="+mn-ea"/>
+                <a:cs typeface="David" panose="020E0502060401010101" pitchFamily="34" charset="-79"/>
+              </a:rPr>
+              <a:t>הפסקה</a:t>
+            </a:r>
+            <a:endParaRPr kumimoji="0" lang="he-IL" sz="3200" b="1" i="0" u="none" strike="noStrike" kern="1200" cap="none" spc="0" normalizeH="0" baseline="0" noProof="0" dirty="0" smtClean="0">
+              <a:ln>
+                <a:noFill/>
+              </a:ln>
+              <a:solidFill>
+                <a:prstClr val="black"/>
+              </a:solidFill>
+              <a:effectLst/>
+              <a:uLnTx/>
+              <a:uFillTx/>
+              <a:latin typeface="David" panose="020E0502060401010101" pitchFamily="34" charset="-79"/>
+              <a:ea typeface="+mn-ea"/>
+              <a:cs typeface="David" panose="020E0502060401010101" pitchFamily="34" charset="-79"/>
+            </a:endParaRPr>
+          </a:p>
+          <a:p>
+            <a:pPr marL="0" marR="0" lvl="0" indent="0" algn="ctr" defTabSz="914400" rtl="1" eaLnBrk="1" fontAlgn="auto" latinLnBrk="0" hangingPunct="1">
+              <a:lnSpc>
+                <a:spcPct val="150000"/>
+              </a:lnSpc>
+              <a:spcBef>
+                <a:spcPts val="0"/>
+              </a:spcBef>
+              <a:spcAft>
+                <a:spcPts val="0"/>
+              </a:spcAft>
+              <a:buClrTx/>
+              <a:buSzTx/>
+              <a:buFontTx/>
+              <a:buNone/>
+              <a:tabLst/>
+              <a:defRPr/>
+            </a:pPr>
+            <a:r>
+              <a:rPr lang="he-IL" sz="2800" dirty="0" smtClean="0">
+                <a:solidFill>
+                  <a:prstClr val="black"/>
+                </a:solidFill>
+                <a:latin typeface="David" panose="020E0502060401010101" pitchFamily="34" charset="-79"/>
+                <a:cs typeface="David" panose="020E0502060401010101" pitchFamily="34" charset="-79"/>
+              </a:rPr>
+              <a:t>כאשר את</a:t>
+            </a:r>
+            <a:r>
+              <a:rPr lang="en-US" sz="2800" dirty="0" smtClean="0">
+                <a:solidFill>
+                  <a:prstClr val="black"/>
+                </a:solidFill>
+                <a:latin typeface="David" panose="020E0502060401010101" pitchFamily="34" charset="-79"/>
+                <a:cs typeface="David" panose="020E0502060401010101" pitchFamily="34" charset="-79"/>
+              </a:rPr>
+              <a:t>/</a:t>
+            </a:r>
+            <a:r>
+              <a:rPr lang="he-IL" sz="2800" dirty="0" smtClean="0">
+                <a:solidFill>
+                  <a:prstClr val="black"/>
+                </a:solidFill>
+                <a:latin typeface="David" panose="020E0502060401010101" pitchFamily="34" charset="-79"/>
+                <a:cs typeface="David" panose="020E0502060401010101" pitchFamily="34" charset="-79"/>
+              </a:rPr>
+              <a:t>ה מוכן</a:t>
+            </a:r>
+            <a:r>
+              <a:rPr lang="en-US" sz="2800" dirty="0" smtClean="0">
+                <a:solidFill>
+                  <a:prstClr val="black"/>
+                </a:solidFill>
+                <a:latin typeface="David" panose="020E0502060401010101" pitchFamily="34" charset="-79"/>
+                <a:cs typeface="David" panose="020E0502060401010101" pitchFamily="34" charset="-79"/>
+              </a:rPr>
+              <a:t>/</a:t>
+            </a:r>
+            <a:r>
+              <a:rPr lang="he-IL" sz="2800" dirty="0" smtClean="0">
+                <a:solidFill>
+                  <a:prstClr val="black"/>
+                </a:solidFill>
+                <a:latin typeface="David" panose="020E0502060401010101" pitchFamily="34" charset="-79"/>
+                <a:cs typeface="David" panose="020E0502060401010101" pitchFamily="34" charset="-79"/>
+              </a:rPr>
+              <a:t>ה להמשיך בניסוי, לחץ</a:t>
+            </a:r>
+            <a:r>
+              <a:rPr lang="en-US" sz="2800" dirty="0" smtClean="0">
+                <a:solidFill>
+                  <a:prstClr val="black"/>
+                </a:solidFill>
+                <a:latin typeface="David" panose="020E0502060401010101" pitchFamily="34" charset="-79"/>
+                <a:cs typeface="David" panose="020E0502060401010101" pitchFamily="34" charset="-79"/>
+              </a:rPr>
+              <a:t>/</a:t>
+            </a:r>
+            <a:r>
+              <a:rPr lang="he-IL" sz="2800" dirty="0" smtClean="0">
+                <a:solidFill>
+                  <a:prstClr val="black"/>
+                </a:solidFill>
+                <a:latin typeface="David" panose="020E0502060401010101" pitchFamily="34" charset="-79"/>
+                <a:cs typeface="David" panose="020E0502060401010101" pitchFamily="34" charset="-79"/>
+              </a:rPr>
+              <a:t>י על מקש רווח.</a:t>
+            </a:r>
+          </a:p>
+          <a:p>
+            <a:pPr marL="0" marR="0" lvl="0" indent="0" algn="ctr" defTabSz="914400" rtl="1" eaLnBrk="1" fontAlgn="auto" latinLnBrk="0" hangingPunct="1">
+              <a:lnSpc>
+                <a:spcPct val="150000"/>
+              </a:lnSpc>
+              <a:spcBef>
+                <a:spcPts val="0"/>
+              </a:spcBef>
+              <a:spcAft>
+                <a:spcPts val="0"/>
+              </a:spcAft>
+              <a:buClrTx/>
+              <a:buSzTx/>
+              <a:buFontTx/>
+              <a:buNone/>
+              <a:tabLst/>
+              <a:defRPr/>
+            </a:pPr>
+            <a:r>
+              <a:rPr kumimoji="0" lang="he-IL" sz="2800" i="0" u="none" strike="noStrike" kern="1200" cap="none" spc="0" normalizeH="0" baseline="0" noProof="0" dirty="0" smtClean="0">
+                <a:ln>
+                  <a:noFill/>
+                </a:ln>
+                <a:solidFill>
+                  <a:prstClr val="black"/>
+                </a:solidFill>
+                <a:effectLst/>
+                <a:uLnTx/>
+                <a:uFillTx/>
+                <a:latin typeface="David" panose="020E0502060401010101" pitchFamily="34" charset="-79"/>
+                <a:cs typeface="David" panose="020E0502060401010101" pitchFamily="34" charset="-79"/>
+              </a:rPr>
+              <a:t>(ישנה</a:t>
+            </a:r>
+            <a:r>
+              <a:rPr kumimoji="0" lang="he-IL" sz="2800" i="0" u="none" strike="noStrike" kern="1200" cap="none" spc="0" normalizeH="0" noProof="0" dirty="0" smtClean="0">
+                <a:ln>
+                  <a:noFill/>
+                </a:ln>
+                <a:solidFill>
+                  <a:prstClr val="black"/>
+                </a:solidFill>
+                <a:effectLst/>
+                <a:uLnTx/>
+                <a:uFillTx/>
+                <a:latin typeface="David" panose="020E0502060401010101" pitchFamily="34" charset="-79"/>
+                <a:cs typeface="David" panose="020E0502060401010101" pitchFamily="34" charset="-79"/>
+              </a:rPr>
+              <a:t> המתנה של לפחות 30 שניות לפני שממשיכים)</a:t>
+            </a:r>
+            <a:endParaRPr kumimoji="0" lang="he-IL" sz="2800" i="0" u="none" strike="noStrike" kern="1200" cap="none" spc="0" normalizeH="0" baseline="0" noProof="0" dirty="0" smtClean="0">
+              <a:ln>
+                <a:noFill/>
+              </a:ln>
+              <a:solidFill>
+                <a:prstClr val="black"/>
+              </a:solidFill>
+              <a:effectLst/>
+              <a:uLnTx/>
+              <a:uFillTx/>
+              <a:latin typeface="David" panose="020E0502060401010101" pitchFamily="34" charset="-79"/>
+              <a:cs typeface="David" panose="020E0502060401010101" pitchFamily="34" charset="-79"/>
+            </a:endParaRPr>
+          </a:p>
+          <a:p>
+            <a:pPr marL="0" marR="0" lvl="0" indent="0" algn="r" defTabSz="914400" rtl="1" eaLnBrk="1" fontAlgn="auto" latinLnBrk="0" hangingPunct="1">
+              <a:lnSpc>
+                <a:spcPct val="150000"/>
+              </a:lnSpc>
+              <a:spcBef>
+                <a:spcPts val="0"/>
+              </a:spcBef>
+              <a:spcAft>
+                <a:spcPts val="0"/>
+              </a:spcAft>
+              <a:buClrTx/>
+              <a:buSzTx/>
+              <a:buFontTx/>
+              <a:buNone/>
+              <a:tabLst/>
+              <a:defRPr/>
+            </a:pPr>
+            <a:endParaRPr kumimoji="0" lang="he-IL" sz="2800" b="0" i="0" u="none" strike="noStrike" kern="1200" cap="none" spc="0" normalizeH="0" baseline="0" noProof="0" dirty="0" smtClean="0">
+              <a:ln>
+                <a:noFill/>
+              </a:ln>
+              <a:solidFill>
+                <a:prstClr val="black"/>
+              </a:solidFill>
+              <a:effectLst/>
+              <a:uLnTx/>
+              <a:uFillTx/>
+              <a:latin typeface="David" panose="020E0502060401010101" pitchFamily="34" charset="-79"/>
+              <a:cs typeface="David" panose="020E0502060401010101" pitchFamily="34" charset="-79"/>
+            </a:endParaRPr>
+          </a:p>
+          <a:p>
+            <a:pPr marL="0" marR="0" lvl="0" indent="0" algn="r" defTabSz="914400" rtl="1" eaLnBrk="1" fontAlgn="auto" latinLnBrk="0" hangingPunct="1">
+              <a:lnSpc>
+                <a:spcPct val="150000"/>
+              </a:lnSpc>
+              <a:spcBef>
+                <a:spcPts val="0"/>
+              </a:spcBef>
+              <a:spcAft>
+                <a:spcPts val="0"/>
+              </a:spcAft>
+              <a:buClrTx/>
+              <a:buSzTx/>
+              <a:buFontTx/>
+              <a:buNone/>
+              <a:tabLst/>
+              <a:defRPr/>
+            </a:pPr>
+            <a:endParaRPr kumimoji="0" lang="he-IL" sz="2800" b="0" i="0" u="none" strike="noStrike" kern="1200" cap="none" spc="0" normalizeH="0" baseline="0" noProof="0" dirty="0">
+              <a:ln>
+                <a:noFill/>
+              </a:ln>
+              <a:solidFill>
+                <a:prstClr val="black"/>
+              </a:solidFill>
+              <a:effectLst/>
+              <a:uLnTx/>
+              <a:uFillTx/>
+              <a:latin typeface="David" panose="020E0502060401010101" pitchFamily="34" charset="-79"/>
+              <a:cs typeface="David" panose="020E0502060401010101" pitchFamily="34" charset="-79"/>
+            </a:endParaRPr>
+          </a:p>
+        </p:txBody>
+      </p:sp>
+      <p:sp>
+        <p:nvSpPr>
+          <p:cNvPr id="5" name="Rectangle 4"/>
+          <p:cNvSpPr/>
+          <p:nvPr/>
+        </p:nvSpPr>
+        <p:spPr>
+          <a:xfrm>
+            <a:off x="4726770" y="5358207"/>
+            <a:ext cx="2750351" cy="1021313"/>
+          </a:xfrm>
+          <a:prstGeom prst="rect">
+            <a:avLst/>
+          </a:prstGeom>
+          <a:solidFill>
+            <a:schemeClr val="tx1">
+              <a:lumMod val="65000"/>
+              <a:lumOff val="35000"/>
+            </a:schemeClr>
+          </a:solidFill>
+          <a:ln w="76200">
+            <a:solidFill>
+              <a:schemeClr val="tx1">
+                <a:lumMod val="85000"/>
+                <a:lumOff val="15000"/>
+              </a:schemeClr>
+            </a:solidFill>
+          </a:ln>
+        </p:spPr>
+        <p:style>
+          <a:lnRef idx="2">
+            <a:schemeClr val="accent1">
+              <a:shade val="50000"/>
+            </a:schemeClr>
+          </a:lnRef>
+          <a:fillRef idx="1">
+            <a:schemeClr val="accent1"/>
+          </a:fillRef>
+          <a:effectRef idx="0">
+            <a:schemeClr val="accent1"/>
+          </a:effectRef>
+          <a:fontRef idx="minor">
+            <a:schemeClr val="lt1"/>
+          </a:fontRef>
+        </p:style>
+        <p:txBody>
+          <a:bodyPr lIns="160949" tIns="80476" rIns="160949" bIns="80476" rtlCol="1" anchor="ctr"/>
+          <a:lstStyle/>
+          <a:p>
+            <a:pPr marL="0" marR="0" lvl="0" indent="0" algn="ctr" defTabSz="914400" rtl="1" eaLnBrk="1" fontAlgn="auto" latinLnBrk="0" hangingPunct="1">
+              <a:lnSpc>
+                <a:spcPct val="100000"/>
+              </a:lnSpc>
+              <a:spcBef>
+                <a:spcPts val="0"/>
+              </a:spcBef>
+              <a:spcAft>
+                <a:spcPts val="0"/>
+              </a:spcAft>
+              <a:buClrTx/>
+              <a:buSzTx/>
+              <a:buFontTx/>
+              <a:buNone/>
+              <a:tabLst/>
+              <a:defRPr/>
+            </a:pPr>
+            <a:r>
+              <a:rPr kumimoji="0" lang="he-IL" sz="1937" b="0" i="0" u="none" strike="noStrike" kern="1200" cap="none" spc="0" normalizeH="0" baseline="0" noProof="0" dirty="0">
+                <a:ln>
+                  <a:noFill/>
+                </a:ln>
+                <a:solidFill>
+                  <a:prstClr val="black"/>
+                </a:solidFill>
+                <a:effectLst/>
+                <a:uLnTx/>
+                <a:uFillTx/>
+                <a:latin typeface="David" panose="020E0502060401010101" pitchFamily="34" charset="-79"/>
+                <a:ea typeface="+mn-ea"/>
+                <a:cs typeface="David" panose="020E0502060401010101" pitchFamily="34" charset="-79"/>
+              </a:rPr>
+              <a:t>כשסיימת לקרוא,</a:t>
+            </a:r>
+          </a:p>
+          <a:p>
+            <a:pPr marL="0" marR="0" lvl="0" indent="0" algn="ctr" defTabSz="914400" rtl="1" eaLnBrk="1" fontAlgn="auto" latinLnBrk="0" hangingPunct="1">
+              <a:lnSpc>
+                <a:spcPct val="100000"/>
+              </a:lnSpc>
+              <a:spcBef>
+                <a:spcPts val="0"/>
+              </a:spcBef>
+              <a:spcAft>
+                <a:spcPts val="0"/>
+              </a:spcAft>
+              <a:buClrTx/>
+              <a:buSzTx/>
+              <a:buFontTx/>
+              <a:buNone/>
+              <a:tabLst/>
+              <a:defRPr/>
+            </a:pPr>
+            <a:r>
+              <a:rPr kumimoji="0" lang="he-IL" sz="1937" b="0" i="0" u="sng" strike="noStrike" kern="1200" cap="none" spc="0" normalizeH="0" baseline="0" noProof="0" dirty="0">
+                <a:ln>
+                  <a:noFill/>
+                </a:ln>
+                <a:solidFill>
+                  <a:prstClr val="black"/>
+                </a:solidFill>
+                <a:effectLst/>
+                <a:uLnTx/>
+                <a:uFillTx/>
+                <a:latin typeface="David" panose="020E0502060401010101" pitchFamily="34" charset="-79"/>
+                <a:ea typeface="+mn-ea"/>
+                <a:cs typeface="David" panose="020E0502060401010101" pitchFamily="34" charset="-79"/>
+              </a:rPr>
+              <a:t> לחץ/י על מקש רווח</a:t>
+            </a:r>
+            <a:endParaRPr kumimoji="0" lang="he-IL" sz="1937" b="0" i="0" u="none" strike="noStrike" kern="1200" cap="none" spc="0" normalizeH="0" baseline="0" noProof="0" dirty="0">
+              <a:ln>
+                <a:noFill/>
+              </a:ln>
+              <a:solidFill>
+                <a:prstClr val="black"/>
+              </a:solidFill>
+              <a:effectLst/>
+              <a:uLnTx/>
+              <a:uFillTx/>
+              <a:latin typeface="David" panose="020E0502060401010101" pitchFamily="34" charset="-79"/>
+              <a:ea typeface="+mn-ea"/>
+              <a:cs typeface="David" panose="020E0502060401010101" pitchFamily="34" charset="-79"/>
+            </a:endParaRPr>
+          </a:p>
+        </p:txBody>
+      </p:sp>
+    </p:spTree>
+    <p:extLst>
+      <p:ext uri="{BB962C8B-B14F-4D97-AF65-F5344CB8AC3E}">
+        <p14:creationId xmlns:p14="http://schemas.microsoft.com/office/powerpoint/2010/main" val="1762505353"/>
+      </p:ext>
+    </p:extLst>
+  </p:cSld>
+  <p:clrMapOvr>
+    <a:masterClrMapping/>
+  </p:clrMapOvr>
+</p:sld>
+</file>
+
+<file path=ppt/slides/slide8.xml><?xml version="1.0" encoding="utf-8"?>
 <p:sld xmlns:a="http://schemas.openxmlformats.org/drawingml/2006/main" xmlns:r="http://schemas.openxmlformats.org/officeDocument/2006/relationships" xmlns:p="http://schemas.openxmlformats.org/presentationml/2006/main">
   <p:cSld>
     <p:spTree>

--- a/Instructions_Pictures/Digitnew/DigitInstTomerOmer.pptx
+++ b/Instructions_Pictures/Digitnew/DigitInstTomerOmer.pptx
@@ -250,7 +250,7 @@
           <a:p>
             <a:fld id="{4476BBAF-3BF1-4078-A5DF-44D473DCBE61}" type="datetimeFigureOut">
               <a:rPr lang="he-IL" smtClean="0"/>
-              <a:t>כ"ח/תמוז/תש"ף</a:t>
+              <a:t>י"ג/אדר/תשפ"א</a:t>
             </a:fld>
             <a:endParaRPr lang="he-IL"/>
           </a:p>
@@ -420,7 +420,7 @@
           <a:p>
             <a:fld id="{4476BBAF-3BF1-4078-A5DF-44D473DCBE61}" type="datetimeFigureOut">
               <a:rPr lang="he-IL" smtClean="0"/>
-              <a:t>כ"ח/תמוז/תש"ף</a:t>
+              <a:t>י"ג/אדר/תשפ"א</a:t>
             </a:fld>
             <a:endParaRPr lang="he-IL"/>
           </a:p>
@@ -600,7 +600,7 @@
           <a:p>
             <a:fld id="{4476BBAF-3BF1-4078-A5DF-44D473DCBE61}" type="datetimeFigureOut">
               <a:rPr lang="he-IL" smtClean="0"/>
-              <a:t>כ"ח/תמוז/תש"ף</a:t>
+              <a:t>י"ג/אדר/תשפ"א</a:t>
             </a:fld>
             <a:endParaRPr lang="he-IL"/>
           </a:p>
@@ -770,7 +770,7 @@
           <a:p>
             <a:fld id="{4476BBAF-3BF1-4078-A5DF-44D473DCBE61}" type="datetimeFigureOut">
               <a:rPr lang="he-IL" smtClean="0"/>
-              <a:t>כ"ח/תמוז/תש"ף</a:t>
+              <a:t>י"ג/אדר/תשפ"א</a:t>
             </a:fld>
             <a:endParaRPr lang="he-IL"/>
           </a:p>
@@ -1016,7 +1016,7 @@
           <a:p>
             <a:fld id="{4476BBAF-3BF1-4078-A5DF-44D473DCBE61}" type="datetimeFigureOut">
               <a:rPr lang="he-IL" smtClean="0"/>
-              <a:t>כ"ח/תמוז/תש"ף</a:t>
+              <a:t>י"ג/אדר/תשפ"א</a:t>
             </a:fld>
             <a:endParaRPr lang="he-IL"/>
           </a:p>
@@ -1248,7 +1248,7 @@
           <a:p>
             <a:fld id="{4476BBAF-3BF1-4078-A5DF-44D473DCBE61}" type="datetimeFigureOut">
               <a:rPr lang="he-IL" smtClean="0"/>
-              <a:t>כ"ח/תמוז/תש"ף</a:t>
+              <a:t>י"ג/אדר/תשפ"א</a:t>
             </a:fld>
             <a:endParaRPr lang="he-IL"/>
           </a:p>
@@ -1615,7 +1615,7 @@
           <a:p>
             <a:fld id="{4476BBAF-3BF1-4078-A5DF-44D473DCBE61}" type="datetimeFigureOut">
               <a:rPr lang="he-IL" smtClean="0"/>
-              <a:t>כ"ח/תמוז/תש"ף</a:t>
+              <a:t>י"ג/אדר/תשפ"א</a:t>
             </a:fld>
             <a:endParaRPr lang="he-IL"/>
           </a:p>
@@ -1733,7 +1733,7 @@
           <a:p>
             <a:fld id="{4476BBAF-3BF1-4078-A5DF-44D473DCBE61}" type="datetimeFigureOut">
               <a:rPr lang="he-IL" smtClean="0"/>
-              <a:t>כ"ח/תמוז/תש"ף</a:t>
+              <a:t>י"ג/אדר/תשפ"א</a:t>
             </a:fld>
             <a:endParaRPr lang="he-IL"/>
           </a:p>
@@ -1828,7 +1828,7 @@
           <a:p>
             <a:fld id="{4476BBAF-3BF1-4078-A5DF-44D473DCBE61}" type="datetimeFigureOut">
               <a:rPr lang="he-IL" smtClean="0"/>
-              <a:t>כ"ח/תמוז/תש"ף</a:t>
+              <a:t>י"ג/אדר/תשפ"א</a:t>
             </a:fld>
             <a:endParaRPr lang="he-IL"/>
           </a:p>
@@ -2105,7 +2105,7 @@
           <a:p>
             <a:fld id="{4476BBAF-3BF1-4078-A5DF-44D473DCBE61}" type="datetimeFigureOut">
               <a:rPr lang="he-IL" smtClean="0"/>
-              <a:t>כ"ח/תמוז/תש"ף</a:t>
+              <a:t>י"ג/אדר/תשפ"א</a:t>
             </a:fld>
             <a:endParaRPr lang="he-IL"/>
           </a:p>
@@ -2358,7 +2358,7 @@
           <a:p>
             <a:fld id="{4476BBAF-3BF1-4078-A5DF-44D473DCBE61}" type="datetimeFigureOut">
               <a:rPr lang="he-IL" smtClean="0"/>
-              <a:t>כ"ח/תמוז/תש"ף</a:t>
+              <a:t>י"ג/אדר/תשפ"א</a:t>
             </a:fld>
             <a:endParaRPr lang="he-IL"/>
           </a:p>
@@ -2571,7 +2571,7 @@
           <a:p>
             <a:fld id="{4476BBAF-3BF1-4078-A5DF-44D473DCBE61}" type="datetimeFigureOut">
               <a:rPr lang="he-IL" smtClean="0"/>
-              <a:t>כ"ח/תמוז/תש"ף</a:t>
+              <a:t>י"ג/אדר/תשפ"א</a:t>
             </a:fld>
             <a:endParaRPr lang="he-IL"/>
           </a:p>
@@ -3354,17 +3354,7 @@
                 <a:latin typeface="David" panose="020E0502060401010101" pitchFamily="34" charset="-79"/>
                 <a:cs typeface="David" panose="020E0502060401010101" pitchFamily="34" charset="-79"/>
               </a:rPr>
-              <a:t> לחץ/י על </a:t>
-            </a:r>
-            <a:r>
-              <a:rPr lang="he-IL" sz="1937" u="sng" dirty="0" smtClean="0">
-                <a:solidFill>
-                  <a:schemeClr val="tx1"/>
-                </a:solidFill>
-                <a:latin typeface="David" panose="020E0502060401010101" pitchFamily="34" charset="-79"/>
-                <a:cs typeface="David" panose="020E0502060401010101" pitchFamily="34" charset="-79"/>
-              </a:rPr>
-              <a:t>מקש רווח</a:t>
+              <a:t> לחץ/י על מקש רווח</a:t>
             </a:r>
             <a:endParaRPr lang="he-IL" sz="1937" dirty="0">
               <a:solidFill>
@@ -3903,7 +3893,7 @@
                 <a:latin typeface="David" panose="020E0502060401010101" pitchFamily="34" charset="-79"/>
                 <a:cs typeface="David" panose="020E0502060401010101" pitchFamily="34" charset="-79"/>
               </a:rPr>
-              <a:t>כעת תמשיך לאימון קצר.</a:t>
+              <a:t>כעת תמשיך לתירגול קצר.</a:t>
             </a:r>
           </a:p>
           <a:p>
@@ -3937,7 +3927,7 @@
                 <a:latin typeface="David" panose="020E0502060401010101" pitchFamily="34" charset="-79"/>
                 <a:cs typeface="David" panose="020E0502060401010101" pitchFamily="34" charset="-79"/>
               </a:rPr>
-              <a:t>בצעדי האימון הראשונים יהיה משוב בנוגע לתשובתך </a:t>
+              <a:t>בצעדי התירגול הראשונים יצויין האם ענית נכון או לא נכון. </a:t>
             </a:r>
           </a:p>
           <a:p>
@@ -3954,24 +3944,7 @@
                 <a:latin typeface="David" panose="020E0502060401010101" pitchFamily="34" charset="-79"/>
                 <a:cs typeface="David" panose="020E0502060401010101" pitchFamily="34" charset="-79"/>
               </a:rPr>
-              <a:t>שיציין האם ענית נכון או לא נכון. </a:t>
-            </a:r>
-          </a:p>
-          <a:p>
-            <a:pPr algn="ctr" rtl="1">
-              <a:lnSpc>
-                <a:spcPct val="150000"/>
-              </a:lnSpc>
-            </a:pPr>
-            <a:r>
-              <a:rPr lang="he-IL" sz="2400" dirty="0">
-                <a:solidFill>
-                  <a:schemeClr val="tx1"/>
-                </a:solidFill>
-                <a:latin typeface="David" panose="020E0502060401010101" pitchFamily="34" charset="-79"/>
-                <a:cs typeface="David" panose="020E0502060401010101" pitchFamily="34" charset="-79"/>
-              </a:rPr>
-              <a:t>לאחר מכן יפסק המשוב. </a:t>
+              <a:t> </a:t>
             </a:r>
           </a:p>
         </p:txBody>
@@ -4555,8 +4528,32 @@
                 <a:ea typeface="+mn-ea"/>
                 <a:cs typeface="David" panose="020E0502060401010101" pitchFamily="34" charset="-79"/>
               </a:rPr>
-              <a:t>כעת תמשיך במטלה כמו באימון.</a:t>
-            </a:r>
+              <a:t>כעת תמשיך במטלה </a:t>
+            </a:r>
+            <a:r>
+              <a:rPr lang="he-IL" sz="2400" dirty="0">
+                <a:solidFill>
+                  <a:prstClr val="black"/>
+                </a:solidFill>
+                <a:latin typeface="David" panose="020E0502060401010101" pitchFamily="34" charset="-79"/>
+                <a:cs typeface="David" panose="020E0502060401010101" pitchFamily="34" charset="-79"/>
+              </a:rPr>
+              <a:t>כמו בתירגול</a:t>
+            </a:r>
+            <a:endParaRPr kumimoji="0" lang="he-IL" sz="2400" b="0" i="0" u="none" strike="noStrike" kern="1200" cap="none" spc="0" normalizeH="0" baseline="0" noProof="0" dirty="0">
+              <a:ln>
+                <a:noFill/>
+              </a:ln>
+              <a:solidFill>
+                <a:prstClr val="black"/>
+              </a:solidFill>
+              <a:effectLst/>
+              <a:uLnTx/>
+              <a:uFillTx/>
+              <a:latin typeface="David" panose="020E0502060401010101" pitchFamily="34" charset="-79"/>
+              <a:ea typeface="+mn-ea"/>
+              <a:cs typeface="David" panose="020E0502060401010101" pitchFamily="34" charset="-79"/>
+            </a:endParaRPr>
           </a:p>
           <a:p>
             <a:pPr marL="0" marR="0" lvl="0" indent="0" algn="ctr" defTabSz="914400" rtl="1" eaLnBrk="1" fontAlgn="auto" latinLnBrk="0" hangingPunct="1">
@@ -4818,17 +4815,7 @@
                 <a:latin typeface="David" panose="020E0502060401010101" pitchFamily="34" charset="-79"/>
                 <a:cs typeface="David" panose="020E0502060401010101" pitchFamily="34" charset="-79"/>
               </a:rPr>
-              <a:t>מקש </a:t>
-            </a:r>
-            <a:r>
-              <a:rPr lang="he-IL" sz="1937" u="sng" dirty="0" smtClean="0">
-                <a:solidFill>
-                  <a:schemeClr val="tx1"/>
-                </a:solidFill>
-                <a:latin typeface="David" panose="020E0502060401010101" pitchFamily="34" charset="-79"/>
-                <a:cs typeface="David" panose="020E0502060401010101" pitchFamily="34" charset="-79"/>
-              </a:rPr>
-              <a:t>רווח</a:t>
+              <a:t>מקש רווח</a:t>
             </a:r>
             <a:endParaRPr lang="he-IL" sz="1937" dirty="0">
               <a:solidFill>
@@ -5200,7 +5187,7 @@
               <a:tabLst/>
               <a:defRPr/>
             </a:pPr>
-            <a:endParaRPr kumimoji="0" lang="he-IL" sz="1553" b="0" i="0" u="none" strike="noStrike" kern="1200" cap="none" spc="0" normalizeH="0" baseline="0" noProof="0" dirty="0" smtClean="0">
+            <a:endParaRPr kumimoji="0" lang="he-IL" sz="1553" b="0" i="0" u="none" strike="noStrike" kern="1200" cap="none" spc="0" normalizeH="0" baseline="0" noProof="0" dirty="0">
               <a:ln>
                 <a:noFill/>
               </a:ln>
@@ -5234,7 +5221,7 @@
               <a:defRPr/>
             </a:pPr>
             <a:r>
-              <a:rPr kumimoji="0" lang="he-IL" sz="4400" b="1" i="0" u="none" strike="noStrike" kern="1200" cap="none" spc="0" normalizeH="0" baseline="0" noProof="0" dirty="0" smtClean="0">
+              <a:rPr kumimoji="0" lang="he-IL" sz="4400" b="1" i="0" u="none" strike="noStrike" kern="1200" cap="none" spc="0" normalizeH="0" baseline="0" noProof="0" dirty="0">
                 <a:ln>
                   <a:noFill/>
                 </a:ln>
@@ -5250,7 +5237,7 @@
               </a:rPr>
               <a:t>הפסקה</a:t>
             </a:r>
-            <a:endParaRPr kumimoji="0" lang="he-IL" sz="3200" b="1" i="0" u="none" strike="noStrike" kern="1200" cap="none" spc="0" normalizeH="0" baseline="0" noProof="0" dirty="0" smtClean="0">
+            <a:endParaRPr kumimoji="0" lang="he-IL" sz="3200" b="1" i="0" u="none" strike="noStrike" kern="1200" cap="none" spc="0" normalizeH="0" baseline="0" noProof="0" dirty="0">
               <a:ln>
                 <a:noFill/>
               </a:ln>
@@ -5284,7 +5271,7 @@
               <a:defRPr/>
             </a:pPr>
             <a:r>
-              <a:rPr lang="he-IL" sz="2800" dirty="0" smtClean="0">
+              <a:rPr lang="he-IL" sz="2800" dirty="0">
                 <a:solidFill>
                   <a:prstClr val="black"/>
                 </a:solidFill>
@@ -5294,7 +5281,7 @@
               <a:t>כאשר את</a:t>
             </a:r>
             <a:r>
-              <a:rPr lang="en-US" sz="2800" dirty="0" smtClean="0">
+              <a:rPr lang="en-US" sz="2800" dirty="0">
                 <a:solidFill>
                   <a:prstClr val="black"/>
                 </a:solidFill>
@@ -5304,7 +5291,7 @@
               <a:t>/</a:t>
             </a:r>
             <a:r>
-              <a:rPr lang="he-IL" sz="2800" dirty="0" smtClean="0">
+              <a:rPr lang="he-IL" sz="2800" dirty="0">
                 <a:solidFill>
                   <a:prstClr val="black"/>
                 </a:solidFill>
@@ -5314,7 +5301,7 @@
               <a:t>ה מוכן</a:t>
             </a:r>
             <a:r>
-              <a:rPr lang="en-US" sz="2800" dirty="0" smtClean="0">
+              <a:rPr lang="en-US" sz="2800" dirty="0">
                 <a:solidFill>
                   <a:prstClr val="black"/>
                 </a:solidFill>
@@ -5324,7 +5311,7 @@
               <a:t>/</a:t>
             </a:r>
             <a:r>
-              <a:rPr lang="he-IL" sz="2800" dirty="0" smtClean="0">
+              <a:rPr lang="he-IL" sz="2800" dirty="0">
                 <a:solidFill>
                   <a:prstClr val="black"/>
                 </a:solidFill>
@@ -5334,7 +5321,7 @@
               <a:t>ה להמשיך בניסוי, לחץ</a:t>
             </a:r>
             <a:r>
-              <a:rPr lang="en-US" sz="2800" dirty="0" smtClean="0">
+              <a:rPr lang="en-US" sz="2800" dirty="0">
                 <a:solidFill>
                   <a:prstClr val="black"/>
                 </a:solidFill>
@@ -5344,7 +5331,7 @@
               <a:t>/</a:t>
             </a:r>
             <a:r>
-              <a:rPr lang="he-IL" sz="2800" dirty="0" smtClean="0">
+              <a:rPr lang="he-IL" sz="2800" dirty="0">
                 <a:solidFill>
                   <a:prstClr val="black"/>
                 </a:solidFill>
@@ -5373,7 +5360,7 @@
               <a:defRPr/>
             </a:pPr>
             <a:r>
-              <a:rPr kumimoji="0" lang="he-IL" sz="2800" i="0" u="none" strike="noStrike" kern="1200" cap="none" spc="0" normalizeH="0" baseline="0" noProof="0" dirty="0" smtClean="0">
+              <a:rPr kumimoji="0" lang="he-IL" sz="2800" i="0" u="none" strike="noStrike" kern="1200" cap="none" spc="0" normalizeH="0" baseline="0" noProof="0" dirty="0">
                 <a:ln>
                   <a:noFill/>
                 </a:ln>
@@ -5389,7 +5376,7 @@
               <a:t>(ישנה</a:t>
             </a:r>
             <a:r>
-              <a:rPr kumimoji="0" lang="he-IL" sz="2800" i="0" u="none" strike="noStrike" kern="1200" cap="none" spc="0" normalizeH="0" noProof="0" dirty="0" smtClean="0">
+              <a:rPr kumimoji="0" lang="he-IL" sz="2800" i="0" u="none" strike="noStrike" kern="1200" cap="none" spc="0" normalizeH="0" noProof="0" dirty="0">
                 <a:ln>
                   <a:noFill/>
                 </a:ln>
@@ -5404,7 +5391,7 @@
               </a:rPr>
               <a:t> המתנה של לפחות 30 שניות לפני שממשיכים)</a:t>
             </a:r>
-            <a:endParaRPr kumimoji="0" lang="he-IL" sz="2800" i="0" u="none" strike="noStrike" kern="1200" cap="none" spc="0" normalizeH="0" baseline="0" noProof="0" dirty="0" smtClean="0">
+            <a:endParaRPr kumimoji="0" lang="he-IL" sz="2800" i="0" u="none" strike="noStrike" kern="1200" cap="none" spc="0" normalizeH="0" baseline="0" noProof="0" dirty="0">
               <a:ln>
                 <a:noFill/>
               </a:ln>
@@ -5436,7 +5423,7 @@
               <a:tabLst/>
               <a:defRPr/>
             </a:pPr>
-            <a:endParaRPr kumimoji="0" lang="he-IL" sz="2800" b="0" i="0" u="none" strike="noStrike" kern="1200" cap="none" spc="0" normalizeH="0" baseline="0" noProof="0" dirty="0" smtClean="0">
+            <a:endParaRPr kumimoji="0" lang="he-IL" sz="2800" b="0" i="0" u="none" strike="noStrike" kern="1200" cap="none" spc="0" normalizeH="0" baseline="0" noProof="0" dirty="0">
               <a:ln>
                 <a:noFill/>
               </a:ln>
@@ -5698,7 +5685,7 @@
         </p:nvSpPr>
         <p:spPr>
           <a:xfrm>
-            <a:off x="9819403" y="3848801"/>
+            <a:off x="9420392" y="3032803"/>
             <a:ext cx="1355835" cy="358307"/>
           </a:xfrm>
           <a:prstGeom prst="roundRect">
@@ -5845,7 +5832,7 @@
         </p:nvSpPr>
         <p:spPr>
           <a:xfrm>
-            <a:off x="1043266" y="3819977"/>
+            <a:off x="1076517" y="2240559"/>
             <a:ext cx="1355835" cy="358307"/>
           </a:xfrm>
           <a:prstGeom prst="roundRect">
@@ -5882,6 +5869,161 @@
           </a:p>
         </p:txBody>
       </p:sp>
+      <p:grpSp>
+        <p:nvGrpSpPr>
+          <p:cNvPr id="11" name="Group 10">
+            <a:extLst>
+              <a:ext uri="{FF2B5EF4-FFF2-40B4-BE49-F238E27FC236}">
+                <a16:creationId xmlns:a16="http://schemas.microsoft.com/office/drawing/2014/main" id="{90DFF965-BD64-4F24-A4D3-2962FC4C2876}"/>
+              </a:ext>
+            </a:extLst>
+          </p:cNvPr>
+          <p:cNvGrpSpPr/>
+          <p:nvPr/>
+        </p:nvGrpSpPr>
+        <p:grpSpPr>
+          <a:xfrm>
+            <a:off x="6379240" y="1197822"/>
+            <a:ext cx="1936987" cy="1417669"/>
+            <a:chOff x="4521013" y="1615133"/>
+            <a:chExt cx="1936987" cy="1417669"/>
+          </a:xfrm>
+        </p:grpSpPr>
+        <p:pic>
+          <p:nvPicPr>
+            <p:cNvPr id="3" name="Picture 2">
+              <a:extLst>
+                <a:ext uri="{FF2B5EF4-FFF2-40B4-BE49-F238E27FC236}">
+                  <a16:creationId xmlns:a16="http://schemas.microsoft.com/office/drawing/2014/main" id="{7B35B121-64A1-42D9-974F-E8252363B385}"/>
+                </a:ext>
+              </a:extLst>
+            </p:cNvPr>
+            <p:cNvPicPr>
+              <a:picLocks noChangeAspect="1"/>
+            </p:cNvPicPr>
+            <p:nvPr/>
+          </p:nvPicPr>
+          <p:blipFill>
+            <a:blip r:embed="rId3"/>
+            <a:stretch>
+              <a:fillRect/>
+            </a:stretch>
+          </p:blipFill>
+          <p:spPr>
+            <a:xfrm>
+              <a:off x="4521013" y="1615133"/>
+              <a:ext cx="1936987" cy="1417669"/>
+            </a:xfrm>
+            <a:prstGeom prst="rect">
+              <a:avLst/>
+            </a:prstGeom>
+          </p:spPr>
+        </p:pic>
+        <p:sp>
+          <p:nvSpPr>
+            <p:cNvPr id="4" name="Rectangle 3">
+              <a:extLst>
+                <a:ext uri="{FF2B5EF4-FFF2-40B4-BE49-F238E27FC236}">
+                  <a16:creationId xmlns:a16="http://schemas.microsoft.com/office/drawing/2014/main" id="{AF688099-1132-4763-8FA2-949105EB9818}"/>
+                </a:ext>
+              </a:extLst>
+            </p:cNvPr>
+            <p:cNvSpPr/>
+            <p:nvPr/>
+          </p:nvSpPr>
+          <p:spPr>
+            <a:xfrm>
+              <a:off x="4754880" y="1762298"/>
+              <a:ext cx="1341120" cy="631767"/>
+            </a:xfrm>
+            <a:prstGeom prst="rect">
+              <a:avLst/>
+            </a:prstGeom>
+            <a:noFill/>
+            <a:ln w="38100">
+              <a:solidFill>
+                <a:srgbClr val="FF0000"/>
+              </a:solidFill>
+            </a:ln>
+          </p:spPr>
+          <p:style>
+            <a:lnRef idx="2">
+              <a:schemeClr val="accent1">
+                <a:shade val="50000"/>
+              </a:schemeClr>
+            </a:lnRef>
+            <a:fillRef idx="1">
+              <a:schemeClr val="accent1"/>
+            </a:fillRef>
+            <a:effectRef idx="0">
+              <a:schemeClr val="accent1"/>
+            </a:effectRef>
+            <a:fontRef idx="minor">
+              <a:schemeClr val="lt1"/>
+            </a:fontRef>
+          </p:style>
+          <p:txBody>
+            <a:bodyPr rtlCol="0" anchor="ctr"/>
+            <a:lstStyle/>
+            <a:p>
+              <a:pPr algn="ctr"/>
+              <a:endParaRPr lang="en-US"/>
+            </a:p>
+          </p:txBody>
+        </p:sp>
+        <p:sp>
+          <p:nvSpPr>
+            <p:cNvPr id="10" name="Rectangle 9">
+              <a:extLst>
+                <a:ext uri="{FF2B5EF4-FFF2-40B4-BE49-F238E27FC236}">
+                  <a16:creationId xmlns:a16="http://schemas.microsoft.com/office/drawing/2014/main" id="{D1829E43-E094-41E0-9C5F-C92E86116599}"/>
+                </a:ext>
+              </a:extLst>
+            </p:cNvPr>
+            <p:cNvSpPr/>
+            <p:nvPr/>
+          </p:nvSpPr>
+          <p:spPr>
+            <a:xfrm>
+              <a:off x="4754880" y="2377746"/>
+              <a:ext cx="1341120" cy="631767"/>
+            </a:xfrm>
+            <a:prstGeom prst="rect">
+              <a:avLst/>
+            </a:prstGeom>
+            <a:noFill/>
+            <a:ln w="38100">
+              <a:solidFill>
+                <a:srgbClr val="FF0000"/>
+              </a:solidFill>
+            </a:ln>
+          </p:spPr>
+          <p:style>
+            <a:lnRef idx="2">
+              <a:schemeClr val="accent1">
+                <a:shade val="50000"/>
+              </a:schemeClr>
+            </a:lnRef>
+            <a:fillRef idx="1">
+              <a:schemeClr val="accent1"/>
+            </a:fillRef>
+            <a:effectRef idx="0">
+              <a:schemeClr val="accent1"/>
+            </a:effectRef>
+            <a:fontRef idx="minor">
+              <a:schemeClr val="lt1"/>
+            </a:fontRef>
+          </p:style>
+          <p:txBody>
+            <a:bodyPr rtlCol="0" anchor="ctr"/>
+            <a:lstStyle/>
+            <a:p>
+              <a:pPr algn="ctr"/>
+              <a:endParaRPr lang="en-US"/>
+            </a:p>
+          </p:txBody>
+        </p:sp>
+      </p:grpSp>
     </p:spTree>
     <p:extLst>
       <p:ext uri="{BB962C8B-B14F-4D97-AF65-F5344CB8AC3E}">

--- a/Instructions_Pictures/Digitnew/DigitInstTomerOmer.pptx
+++ b/Instructions_Pictures/Digitnew/DigitInstTomerOmer.pptx
@@ -13,6 +13,8 @@
     <p:sldId id="263" r:id="rId7"/>
     <p:sldId id="266" r:id="rId8"/>
     <p:sldId id="265" r:id="rId9"/>
+    <p:sldId id="268" r:id="rId10"/>
+    <p:sldId id="267" r:id="rId11"/>
   </p:sldIdLst>
   <p:sldSz cx="12192000" cy="6858000"/>
   <p:notesSz cx="6858000" cy="9144000"/>
@@ -250,7 +252,7 @@
           <a:p>
             <a:fld id="{4476BBAF-3BF1-4078-A5DF-44D473DCBE61}" type="datetimeFigureOut">
               <a:rPr lang="he-IL" smtClean="0"/>
-              <a:t>י"ג/אדר/תשפ"א</a:t>
+              <a:t>ט'/אב/תשפ"א</a:t>
             </a:fld>
             <a:endParaRPr lang="he-IL"/>
           </a:p>
@@ -420,7 +422,7 @@
           <a:p>
             <a:fld id="{4476BBAF-3BF1-4078-A5DF-44D473DCBE61}" type="datetimeFigureOut">
               <a:rPr lang="he-IL" smtClean="0"/>
-              <a:t>י"ג/אדר/תשפ"א</a:t>
+              <a:t>ט'/אב/תשפ"א</a:t>
             </a:fld>
             <a:endParaRPr lang="he-IL"/>
           </a:p>
@@ -600,7 +602,7 @@
           <a:p>
             <a:fld id="{4476BBAF-3BF1-4078-A5DF-44D473DCBE61}" type="datetimeFigureOut">
               <a:rPr lang="he-IL" smtClean="0"/>
-              <a:t>י"ג/אדר/תשפ"א</a:t>
+              <a:t>ט'/אב/תשפ"א</a:t>
             </a:fld>
             <a:endParaRPr lang="he-IL"/>
           </a:p>
@@ -770,7 +772,7 @@
           <a:p>
             <a:fld id="{4476BBAF-3BF1-4078-A5DF-44D473DCBE61}" type="datetimeFigureOut">
               <a:rPr lang="he-IL" smtClean="0"/>
-              <a:t>י"ג/אדר/תשפ"א</a:t>
+              <a:t>ט'/אב/תשפ"א</a:t>
             </a:fld>
             <a:endParaRPr lang="he-IL"/>
           </a:p>
@@ -1016,7 +1018,7 @@
           <a:p>
             <a:fld id="{4476BBAF-3BF1-4078-A5DF-44D473DCBE61}" type="datetimeFigureOut">
               <a:rPr lang="he-IL" smtClean="0"/>
-              <a:t>י"ג/אדר/תשפ"א</a:t>
+              <a:t>ט'/אב/תשפ"א</a:t>
             </a:fld>
             <a:endParaRPr lang="he-IL"/>
           </a:p>
@@ -1248,7 +1250,7 @@
           <a:p>
             <a:fld id="{4476BBAF-3BF1-4078-A5DF-44D473DCBE61}" type="datetimeFigureOut">
               <a:rPr lang="he-IL" smtClean="0"/>
-              <a:t>י"ג/אדר/תשפ"א</a:t>
+              <a:t>ט'/אב/תשפ"א</a:t>
             </a:fld>
             <a:endParaRPr lang="he-IL"/>
           </a:p>
@@ -1615,7 +1617,7 @@
           <a:p>
             <a:fld id="{4476BBAF-3BF1-4078-A5DF-44D473DCBE61}" type="datetimeFigureOut">
               <a:rPr lang="he-IL" smtClean="0"/>
-              <a:t>י"ג/אדר/תשפ"א</a:t>
+              <a:t>ט'/אב/תשפ"א</a:t>
             </a:fld>
             <a:endParaRPr lang="he-IL"/>
           </a:p>
@@ -1733,7 +1735,7 @@
           <a:p>
             <a:fld id="{4476BBAF-3BF1-4078-A5DF-44D473DCBE61}" type="datetimeFigureOut">
               <a:rPr lang="he-IL" smtClean="0"/>
-              <a:t>י"ג/אדר/תשפ"א</a:t>
+              <a:t>ט'/אב/תשפ"א</a:t>
             </a:fld>
             <a:endParaRPr lang="he-IL"/>
           </a:p>
@@ -1828,7 +1830,7 @@
           <a:p>
             <a:fld id="{4476BBAF-3BF1-4078-A5DF-44D473DCBE61}" type="datetimeFigureOut">
               <a:rPr lang="he-IL" smtClean="0"/>
-              <a:t>י"ג/אדר/תשפ"א</a:t>
+              <a:t>ט'/אב/תשפ"א</a:t>
             </a:fld>
             <a:endParaRPr lang="he-IL"/>
           </a:p>
@@ -2105,7 +2107,7 @@
           <a:p>
             <a:fld id="{4476BBAF-3BF1-4078-A5DF-44D473DCBE61}" type="datetimeFigureOut">
               <a:rPr lang="he-IL" smtClean="0"/>
-              <a:t>י"ג/אדר/תשפ"א</a:t>
+              <a:t>ט'/אב/תשפ"א</a:t>
             </a:fld>
             <a:endParaRPr lang="he-IL"/>
           </a:p>
@@ -2358,7 +2360,7 @@
           <a:p>
             <a:fld id="{4476BBAF-3BF1-4078-A5DF-44D473DCBE61}" type="datetimeFigureOut">
               <a:rPr lang="he-IL" smtClean="0"/>
-              <a:t>י"ג/אדר/תשפ"א</a:t>
+              <a:t>ט'/אב/תשפ"א</a:t>
             </a:fld>
             <a:endParaRPr lang="he-IL"/>
           </a:p>
@@ -2571,7 +2573,7 @@
           <a:p>
             <a:fld id="{4476BBAF-3BF1-4078-A5DF-44D473DCBE61}" type="datetimeFigureOut">
               <a:rPr lang="he-IL" smtClean="0"/>
-              <a:t>י"ג/אדר/תשפ"א</a:t>
+              <a:t>ט'/אב/תשפ"א</a:t>
             </a:fld>
             <a:endParaRPr lang="he-IL"/>
           </a:p>
@@ -3379,6 +3381,116 @@
 </p:sld>
 </file>
 
+<file path=ppt/slides/slide10.xml><?xml version="1.0" encoding="utf-8"?>
+<p:sld xmlns:a="http://schemas.openxmlformats.org/drawingml/2006/main" xmlns:r="http://schemas.openxmlformats.org/officeDocument/2006/relationships" xmlns:p="http://schemas.openxmlformats.org/presentationml/2006/main">
+  <p:cSld>
+    <p:spTree>
+      <p:nvGrpSpPr>
+        <p:cNvPr id="1" name=""/>
+        <p:cNvGrpSpPr/>
+        <p:nvPr/>
+      </p:nvGrpSpPr>
+      <p:grpSpPr>
+        <a:xfrm>
+          <a:off x="0" y="0"/>
+          <a:ext cx="0" cy="0"/>
+          <a:chOff x="0" y="0"/>
+          <a:chExt cx="0" cy="0"/>
+        </a:xfrm>
+      </p:grpSpPr>
+      <p:sp>
+        <p:nvSpPr>
+          <p:cNvPr id="2" name="Title 1">
+            <a:extLst>
+              <a:ext uri="{FF2B5EF4-FFF2-40B4-BE49-F238E27FC236}">
+                <a16:creationId xmlns:a16="http://schemas.microsoft.com/office/drawing/2014/main" id="{C783FE51-89DA-4114-BB38-280FF761DE13}"/>
+              </a:ext>
+            </a:extLst>
+          </p:cNvPr>
+          <p:cNvSpPr>
+            <a:spLocks noGrp="1"/>
+          </p:cNvSpPr>
+          <p:nvPr>
+            <p:ph type="title"/>
+          </p:nvPr>
+        </p:nvSpPr>
+        <p:spPr/>
+        <p:txBody>
+          <a:bodyPr/>
+          <a:lstStyle/>
+          <a:p>
+            <a:endParaRPr lang="LID4096"/>
+          </a:p>
+        </p:txBody>
+      </p:sp>
+      <p:sp>
+        <p:nvSpPr>
+          <p:cNvPr id="3" name="Content Placeholder 2">
+            <a:extLst>
+              <a:ext uri="{FF2B5EF4-FFF2-40B4-BE49-F238E27FC236}">
+                <a16:creationId xmlns:a16="http://schemas.microsoft.com/office/drawing/2014/main" id="{23EE4E27-7CBF-4D8B-A256-15D33F4A7021}"/>
+              </a:ext>
+            </a:extLst>
+          </p:cNvPr>
+          <p:cNvSpPr>
+            <a:spLocks noGrp="1"/>
+          </p:cNvSpPr>
+          <p:nvPr>
+            <p:ph idx="1"/>
+          </p:nvPr>
+        </p:nvSpPr>
+        <p:spPr/>
+        <p:txBody>
+          <a:bodyPr/>
+          <a:lstStyle/>
+          <a:p>
+            <a:endParaRPr lang="LID4096"/>
+          </a:p>
+        </p:txBody>
+      </p:sp>
+      <p:pic>
+        <p:nvPicPr>
+          <p:cNvPr id="5" name="Picture 4">
+            <a:extLst>
+              <a:ext uri="{FF2B5EF4-FFF2-40B4-BE49-F238E27FC236}">
+                <a16:creationId xmlns:a16="http://schemas.microsoft.com/office/drawing/2014/main" id="{68036757-A63B-4408-8A73-489868DEEFC8}"/>
+              </a:ext>
+            </a:extLst>
+          </p:cNvPr>
+          <p:cNvPicPr>
+            <a:picLocks noChangeAspect="1"/>
+          </p:cNvPicPr>
+          <p:nvPr/>
+        </p:nvPicPr>
+        <p:blipFill>
+          <a:blip r:embed="rId2"/>
+          <a:stretch>
+            <a:fillRect/>
+          </a:stretch>
+        </p:blipFill>
+        <p:spPr>
+          <a:xfrm>
+            <a:off x="1647825" y="1624012"/>
+            <a:ext cx="8896350" cy="3609975"/>
+          </a:xfrm>
+          <a:prstGeom prst="rect">
+            <a:avLst/>
+          </a:prstGeom>
+        </p:spPr>
+      </p:pic>
+    </p:spTree>
+    <p:extLst>
+      <p:ext uri="{BB962C8B-B14F-4D97-AF65-F5344CB8AC3E}">
+        <p14:creationId xmlns:p14="http://schemas.microsoft.com/office/powerpoint/2010/main" val="4263015370"/>
+      </p:ext>
+    </p:extLst>
+  </p:cSld>
+  <p:clrMapOvr>
+    <a:masterClrMapping/>
+  </p:clrMapOvr>
+</p:sld>
+</file>
+
 <file path=ppt/slides/slide2.xml><?xml version="1.0" encoding="utf-8"?>
 <p:sld xmlns:a="http://schemas.openxmlformats.org/drawingml/2006/main" xmlns:r="http://schemas.openxmlformats.org/officeDocument/2006/relationships" xmlns:p="http://schemas.openxmlformats.org/presentationml/2006/main">
   <p:cSld>
@@ -3551,7 +3663,27 @@
                 <a:latin typeface="David" panose="020E0502060401010101" pitchFamily="34" charset="-79"/>
                 <a:cs typeface="David" panose="020E0502060401010101" pitchFamily="34" charset="-79"/>
               </a:rPr>
-              <a:t>זוגית</a:t>
+              <a:t>זוגית (</a:t>
+            </a:r>
+            <a:r>
+              <a:rPr lang="he-IL" sz="2400" b="1" dirty="0" err="1">
+                <a:solidFill>
+                  <a:schemeClr val="tx1"/>
+                </a:solidFill>
+                <a:latin typeface="David" panose="020E0502060401010101" pitchFamily="34" charset="-79"/>
+                <a:cs typeface="David" panose="020E0502060401010101" pitchFamily="34" charset="-79"/>
+              </a:rPr>
+              <a:t>שיפט</a:t>
+            </a:r>
+            <a:r>
+              <a:rPr lang="he-IL" sz="2400" b="1" dirty="0">
+                <a:solidFill>
+                  <a:schemeClr val="tx1"/>
+                </a:solidFill>
+                <a:latin typeface="David" panose="020E0502060401010101" pitchFamily="34" charset="-79"/>
+                <a:cs typeface="David" panose="020E0502060401010101" pitchFamily="34" charset="-79"/>
+              </a:rPr>
+              <a:t> ימין)</a:t>
             </a:r>
             <a:r>
               <a:rPr lang="he-IL" sz="2400" dirty="0">
@@ -3571,7 +3703,27 @@
                 <a:latin typeface="David" panose="020E0502060401010101" pitchFamily="34" charset="-79"/>
                 <a:cs typeface="David" panose="020E0502060401010101" pitchFamily="34" charset="-79"/>
               </a:rPr>
-              <a:t>אי-זוגית</a:t>
+              <a:t>אי-זוגית (</a:t>
+            </a:r>
+            <a:r>
+              <a:rPr lang="he-IL" sz="2400" b="1" dirty="0" err="1">
+                <a:solidFill>
+                  <a:schemeClr val="tx1"/>
+                </a:solidFill>
+                <a:latin typeface="David" panose="020E0502060401010101" pitchFamily="34" charset="-79"/>
+                <a:cs typeface="David" panose="020E0502060401010101" pitchFamily="34" charset="-79"/>
+              </a:rPr>
+              <a:t>שיפט</a:t>
+            </a:r>
+            <a:r>
+              <a:rPr lang="he-IL" sz="2400" b="1" dirty="0">
+                <a:solidFill>
+                  <a:schemeClr val="tx1"/>
+                </a:solidFill>
+                <a:latin typeface="David" panose="020E0502060401010101" pitchFamily="34" charset="-79"/>
+                <a:cs typeface="David" panose="020E0502060401010101" pitchFamily="34" charset="-79"/>
+              </a:rPr>
+              <a:t> שמאל)</a:t>
             </a:r>
             <a:r>
               <a:rPr lang="he-IL" sz="2400" dirty="0">
@@ -3750,10 +3902,10 @@
       </p:sp>
       <p:pic>
         <p:nvPicPr>
-          <p:cNvPr id="15" name="Picture 14">
+          <p:cNvPr id="6" name="Picture 5">
             <a:extLst>
               <a:ext uri="{FF2B5EF4-FFF2-40B4-BE49-F238E27FC236}">
-                <a16:creationId xmlns:a16="http://schemas.microsoft.com/office/drawing/2014/main" id="{CB8138BF-5D15-49C0-96C0-CD19C7AA3632}"/>
+                <a16:creationId xmlns:a16="http://schemas.microsoft.com/office/drawing/2014/main" id="{4F42D66D-50B0-4988-BE29-731506A41865}"/>
               </a:ext>
             </a:extLst>
           </p:cNvPr>
@@ -3770,14 +3922,126 @@
         </p:blipFill>
         <p:spPr>
           <a:xfrm>
-            <a:off x="2337863" y="3058852"/>
-            <a:ext cx="7516274" cy="1162212"/>
+            <a:off x="3859646" y="2817092"/>
+            <a:ext cx="4472708" cy="1814944"/>
           </a:xfrm>
           <a:prstGeom prst="rect">
             <a:avLst/>
           </a:prstGeom>
         </p:spPr>
       </p:pic>
+      <p:sp>
+        <p:nvSpPr>
+          <p:cNvPr id="2" name="Rectangle 1">
+            <a:extLst>
+              <a:ext uri="{FF2B5EF4-FFF2-40B4-BE49-F238E27FC236}">
+                <a16:creationId xmlns:a16="http://schemas.microsoft.com/office/drawing/2014/main" id="{16E093C5-72E1-4FFA-BC40-B1C4842540BE}"/>
+              </a:ext>
+            </a:extLst>
+          </p:cNvPr>
+          <p:cNvSpPr/>
+          <p:nvPr/>
+        </p:nvSpPr>
+        <p:spPr>
+          <a:xfrm>
+            <a:off x="3796145" y="3980873"/>
+            <a:ext cx="738910" cy="341745"/>
+          </a:xfrm>
+          <a:prstGeom prst="rect">
+            <a:avLst/>
+          </a:prstGeom>
+          <a:solidFill>
+            <a:srgbClr val="FFFF00">
+              <a:alpha val="18039"/>
+            </a:srgbClr>
+          </a:solidFill>
+          <a:ln w="28575">
+            <a:solidFill>
+              <a:srgbClr val="FF0000"/>
+            </a:solidFill>
+          </a:ln>
+        </p:spPr>
+        <p:style>
+          <a:lnRef idx="2">
+            <a:schemeClr val="accent1">
+              <a:shade val="50000"/>
+            </a:schemeClr>
+          </a:lnRef>
+          <a:fillRef idx="1">
+            <a:schemeClr val="accent1"/>
+          </a:fillRef>
+          <a:effectRef idx="0">
+            <a:schemeClr val="accent1"/>
+          </a:effectRef>
+          <a:fontRef idx="minor">
+            <a:schemeClr val="lt1"/>
+          </a:fontRef>
+        </p:style>
+        <p:txBody>
+          <a:bodyPr rtlCol="0" anchor="ctr"/>
+          <a:lstStyle/>
+          <a:p>
+            <a:pPr algn="ctr"/>
+            <a:endParaRPr lang="LID4096"/>
+          </a:p>
+        </p:txBody>
+      </p:sp>
+      <p:sp>
+        <p:nvSpPr>
+          <p:cNvPr id="7" name="Rectangle 6">
+            <a:extLst>
+              <a:ext uri="{FF2B5EF4-FFF2-40B4-BE49-F238E27FC236}">
+                <a16:creationId xmlns:a16="http://schemas.microsoft.com/office/drawing/2014/main" id="{34ECC666-F10B-4B58-8B5D-90C0C1BF92A4}"/>
+              </a:ext>
+            </a:extLst>
+          </p:cNvPr>
+          <p:cNvSpPr/>
+          <p:nvPr/>
+        </p:nvSpPr>
+        <p:spPr>
+          <a:xfrm>
+            <a:off x="7593444" y="3915160"/>
+            <a:ext cx="738910" cy="341745"/>
+          </a:xfrm>
+          <a:prstGeom prst="rect">
+            <a:avLst/>
+          </a:prstGeom>
+          <a:solidFill>
+            <a:srgbClr val="FFFF00">
+              <a:alpha val="18039"/>
+            </a:srgbClr>
+          </a:solidFill>
+          <a:ln w="28575">
+            <a:solidFill>
+              <a:srgbClr val="FF0000"/>
+            </a:solidFill>
+          </a:ln>
+        </p:spPr>
+        <p:style>
+          <a:lnRef idx="2">
+            <a:schemeClr val="accent1">
+              <a:shade val="50000"/>
+            </a:schemeClr>
+          </a:lnRef>
+          <a:fillRef idx="1">
+            <a:schemeClr val="accent1"/>
+          </a:fillRef>
+          <a:effectRef idx="0">
+            <a:schemeClr val="accent1"/>
+          </a:effectRef>
+          <a:fontRef idx="minor">
+            <a:schemeClr val="lt1"/>
+          </a:fontRef>
+        </p:style>
+        <p:txBody>
+          <a:bodyPr rtlCol="0" anchor="ctr"/>
+          <a:lstStyle/>
+          <a:p>
+            <a:pPr algn="ctr"/>
+            <a:endParaRPr lang="LID4096"/>
+          </a:p>
+        </p:txBody>
+      </p:sp>
     </p:spTree>
     <p:extLst>
       <p:ext uri="{BB962C8B-B14F-4D97-AF65-F5344CB8AC3E}">
@@ -4072,7 +4336,13 @@
       </p:grpSpPr>
       <p:sp>
         <p:nvSpPr>
-          <p:cNvPr id="4" name="Rectangle 3"/>
+          <p:cNvPr id="10" name="Rectangle 9">
+            <a:extLst>
+              <a:ext uri="{FF2B5EF4-FFF2-40B4-BE49-F238E27FC236}">
+                <a16:creationId xmlns:a16="http://schemas.microsoft.com/office/drawing/2014/main" id="{F4F3211C-83C1-418A-812D-E302E9A42F3C}"/>
+              </a:ext>
+            </a:extLst>
+          </p:cNvPr>
           <p:cNvSpPr>
             <a:spLocks/>
           </p:cNvSpPr>
@@ -4125,20 +4395,6 @@
                 <a:spcPct val="150000"/>
               </a:lnSpc>
             </a:pPr>
-            <a:endParaRPr lang="he-IL" sz="2400" dirty="0">
-              <a:solidFill>
-                <a:schemeClr val="tx1"/>
-              </a:solidFill>
-              <a:latin typeface="David" panose="020E0502060401010101" pitchFamily="34" charset="-79"/>
-              <a:cs typeface="David" panose="020E0502060401010101" pitchFamily="34" charset="-79"/>
-            </a:endParaRPr>
-          </a:p>
-          <a:p>
-            <a:pPr algn="ctr" rtl="1">
-              <a:lnSpc>
-                <a:spcPct val="150000"/>
-              </a:lnSpc>
-            </a:pPr>
             <a:r>
               <a:rPr lang="he-IL" sz="2400" dirty="0">
                 <a:solidFill>
@@ -4167,28 +4423,11 @@
                 <a:latin typeface="David" panose="020E0502060401010101" pitchFamily="34" charset="-79"/>
                 <a:cs typeface="David" panose="020E0502060401010101" pitchFamily="34" charset="-79"/>
               </a:rPr>
-              <a:t>עליך לומר האם המשפט ששמעת זהה למשפט שיופיע בכתב על מרכז המסך. </a:t>
-            </a:r>
-          </a:p>
-          <a:p>
-            <a:pPr algn="ctr" rtl="1">
-              <a:lnSpc>
-                <a:spcPct val="150000"/>
-              </a:lnSpc>
-            </a:pPr>
-            <a:r>
-              <a:rPr lang="he-IL" sz="2400" dirty="0">
-                <a:solidFill>
-                  <a:schemeClr val="tx1"/>
-                </a:solidFill>
-                <a:latin typeface="David" panose="020E0502060401010101" pitchFamily="34" charset="-79"/>
-                <a:cs typeface="David" panose="020E0502060401010101" pitchFamily="34" charset="-79"/>
-              </a:rPr>
-              <a:t>אם המשפט זהה, לחץ "זהה", אם אינו זהה לחץ "לא זהה" במקלדת. </a:t>
-            </a:r>
-          </a:p>
-          <a:p>
-            <a:pPr algn="ctr" rtl="1">
+              <a:t>עליך לומר האם המשפט ששמעת זהה למשפט שיופיע בכתב על מרכז המסך. אם המשפט זהה, לחץ על המקש "כ" (כן), אם אינו זהה לחץ "ל" (לא) במקלדת. </a:t>
+            </a:r>
+          </a:p>
+          <a:p>
+            <a:pPr algn="r" rtl="1">
               <a:lnSpc>
                 <a:spcPct val="150000"/>
               </a:lnSpc>
@@ -4207,7 +4446,21 @@
                 <a:spcPct val="150000"/>
               </a:lnSpc>
             </a:pPr>
-            <a:endParaRPr lang="he-IL" sz="2400" dirty="0">
+            <a:endParaRPr lang="en-GB" sz="2400" dirty="0">
+              <a:solidFill>
+                <a:schemeClr val="tx1"/>
+              </a:solidFill>
+              <a:latin typeface="David" panose="020E0502060401010101" pitchFamily="34" charset="-79"/>
+              <a:cs typeface="David" panose="020E0502060401010101" pitchFamily="34" charset="-79"/>
+            </a:endParaRPr>
+          </a:p>
+          <a:p>
+            <a:pPr algn="ctr" rtl="1">
+              <a:lnSpc>
+                <a:spcPct val="150000"/>
+              </a:lnSpc>
+            </a:pPr>
+            <a:endParaRPr lang="en-GB" sz="2400" dirty="0">
               <a:solidFill>
                 <a:schemeClr val="tx1"/>
               </a:solidFill>
@@ -4350,7 +4603,7 @@
           <p:cNvPr id="6" name="Picture 5">
             <a:extLst>
               <a:ext uri="{FF2B5EF4-FFF2-40B4-BE49-F238E27FC236}">
-                <a16:creationId xmlns:a16="http://schemas.microsoft.com/office/drawing/2014/main" id="{1E25CF56-01DE-46FB-A215-311D92E94622}"/>
+                <a16:creationId xmlns:a16="http://schemas.microsoft.com/office/drawing/2014/main" id="{DD7B02F5-DD05-48EE-BD75-994AE8E01A26}"/>
               </a:ext>
             </a:extLst>
           </p:cNvPr>
@@ -4367,14 +4620,126 @@
         </p:blipFill>
         <p:spPr>
           <a:xfrm>
-            <a:off x="2333100" y="3429000"/>
-            <a:ext cx="7525800" cy="1171739"/>
+            <a:off x="3890896" y="2899057"/>
+            <a:ext cx="4106344" cy="1666282"/>
           </a:xfrm>
           <a:prstGeom prst="rect">
             <a:avLst/>
           </a:prstGeom>
         </p:spPr>
       </p:pic>
+      <p:sp>
+        <p:nvSpPr>
+          <p:cNvPr id="8" name="Rectangle 7">
+            <a:extLst>
+              <a:ext uri="{FF2B5EF4-FFF2-40B4-BE49-F238E27FC236}">
+                <a16:creationId xmlns:a16="http://schemas.microsoft.com/office/drawing/2014/main" id="{BC601851-04E2-49D1-AC56-FDCC5AEC5A34}"/>
+              </a:ext>
+            </a:extLst>
+          </p:cNvPr>
+          <p:cNvSpPr/>
+          <p:nvPr/>
+        </p:nvSpPr>
+        <p:spPr>
+          <a:xfrm>
+            <a:off x="5200875" y="3673470"/>
+            <a:ext cx="354418" cy="301728"/>
+          </a:xfrm>
+          <a:prstGeom prst="rect">
+            <a:avLst/>
+          </a:prstGeom>
+          <a:solidFill>
+            <a:srgbClr val="FFFF00">
+              <a:alpha val="18039"/>
+            </a:srgbClr>
+          </a:solidFill>
+          <a:ln w="28575">
+            <a:solidFill>
+              <a:srgbClr val="FF0000"/>
+            </a:solidFill>
+          </a:ln>
+        </p:spPr>
+        <p:style>
+          <a:lnRef idx="2">
+            <a:schemeClr val="accent1">
+              <a:shade val="50000"/>
+            </a:schemeClr>
+          </a:lnRef>
+          <a:fillRef idx="1">
+            <a:schemeClr val="accent1"/>
+          </a:fillRef>
+          <a:effectRef idx="0">
+            <a:schemeClr val="accent1"/>
+          </a:effectRef>
+          <a:fontRef idx="minor">
+            <a:schemeClr val="lt1"/>
+          </a:fontRef>
+        </p:style>
+        <p:txBody>
+          <a:bodyPr rtlCol="0" anchor="ctr"/>
+          <a:lstStyle/>
+          <a:p>
+            <a:pPr algn="ctr"/>
+            <a:endParaRPr lang="LID4096"/>
+          </a:p>
+        </p:txBody>
+      </p:sp>
+      <p:sp>
+        <p:nvSpPr>
+          <p:cNvPr id="9" name="Rectangle 8">
+            <a:extLst>
+              <a:ext uri="{FF2B5EF4-FFF2-40B4-BE49-F238E27FC236}">
+                <a16:creationId xmlns:a16="http://schemas.microsoft.com/office/drawing/2014/main" id="{0DAD7FD4-2B31-4A23-97BD-58FFA13F681B}"/>
+              </a:ext>
+            </a:extLst>
+          </p:cNvPr>
+          <p:cNvSpPr/>
+          <p:nvPr/>
+        </p:nvSpPr>
+        <p:spPr>
+          <a:xfrm>
+            <a:off x="6321464" y="3673470"/>
+            <a:ext cx="354418" cy="301728"/>
+          </a:xfrm>
+          <a:prstGeom prst="rect">
+            <a:avLst/>
+          </a:prstGeom>
+          <a:solidFill>
+            <a:srgbClr val="FFFF00">
+              <a:alpha val="18039"/>
+            </a:srgbClr>
+          </a:solidFill>
+          <a:ln w="28575">
+            <a:solidFill>
+              <a:srgbClr val="FF0000"/>
+            </a:solidFill>
+          </a:ln>
+        </p:spPr>
+        <p:style>
+          <a:lnRef idx="2">
+            <a:schemeClr val="accent1">
+              <a:shade val="50000"/>
+            </a:schemeClr>
+          </a:lnRef>
+          <a:fillRef idx="1">
+            <a:schemeClr val="accent1"/>
+          </a:fillRef>
+          <a:effectRef idx="0">
+            <a:schemeClr val="accent1"/>
+          </a:effectRef>
+          <a:fontRef idx="minor">
+            <a:schemeClr val="lt1"/>
+          </a:fontRef>
+        </p:style>
+        <p:txBody>
+          <a:bodyPr rtlCol="0" anchor="ctr"/>
+          <a:lstStyle/>
+          <a:p>
+            <a:pPr algn="ctr"/>
+            <a:endParaRPr lang="LID4096"/>
+          </a:p>
+        </p:txBody>
+      </p:sp>
     </p:spTree>
     <p:extLst>
       <p:ext uri="{BB962C8B-B14F-4D97-AF65-F5344CB8AC3E}">
@@ -6028,6 +6393,116 @@
     <p:extLst>
       <p:ext uri="{BB962C8B-B14F-4D97-AF65-F5344CB8AC3E}">
         <p14:creationId xmlns:p14="http://schemas.microsoft.com/office/powerpoint/2010/main" val="1626289615"/>
+      </p:ext>
+    </p:extLst>
+  </p:cSld>
+  <p:clrMapOvr>
+    <a:masterClrMapping/>
+  </p:clrMapOvr>
+</p:sld>
+</file>
+
+<file path=ppt/slides/slide9.xml><?xml version="1.0" encoding="utf-8"?>
+<p:sld xmlns:a="http://schemas.openxmlformats.org/drawingml/2006/main" xmlns:r="http://schemas.openxmlformats.org/officeDocument/2006/relationships" xmlns:p="http://schemas.openxmlformats.org/presentationml/2006/main">
+  <p:cSld>
+    <p:spTree>
+      <p:nvGrpSpPr>
+        <p:cNvPr id="1" name=""/>
+        <p:cNvGrpSpPr/>
+        <p:nvPr/>
+      </p:nvGrpSpPr>
+      <p:grpSpPr>
+        <a:xfrm>
+          <a:off x="0" y="0"/>
+          <a:ext cx="0" cy="0"/>
+          <a:chOff x="0" y="0"/>
+          <a:chExt cx="0" cy="0"/>
+        </a:xfrm>
+      </p:grpSpPr>
+      <p:sp>
+        <p:nvSpPr>
+          <p:cNvPr id="2" name="Title 1">
+            <a:extLst>
+              <a:ext uri="{FF2B5EF4-FFF2-40B4-BE49-F238E27FC236}">
+                <a16:creationId xmlns:a16="http://schemas.microsoft.com/office/drawing/2014/main" id="{B0E6580B-C41D-4259-BBCB-DB9A9D4EBB03}"/>
+              </a:ext>
+            </a:extLst>
+          </p:cNvPr>
+          <p:cNvSpPr>
+            <a:spLocks noGrp="1"/>
+          </p:cNvSpPr>
+          <p:nvPr>
+            <p:ph type="title"/>
+          </p:nvPr>
+        </p:nvSpPr>
+        <p:spPr/>
+        <p:txBody>
+          <a:bodyPr/>
+          <a:lstStyle/>
+          <a:p>
+            <a:endParaRPr lang="LID4096"/>
+          </a:p>
+        </p:txBody>
+      </p:sp>
+      <p:sp>
+        <p:nvSpPr>
+          <p:cNvPr id="3" name="Content Placeholder 2">
+            <a:extLst>
+              <a:ext uri="{FF2B5EF4-FFF2-40B4-BE49-F238E27FC236}">
+                <a16:creationId xmlns:a16="http://schemas.microsoft.com/office/drawing/2014/main" id="{E2959C39-52AE-4A55-9016-8692C7EFBE66}"/>
+              </a:ext>
+            </a:extLst>
+          </p:cNvPr>
+          <p:cNvSpPr>
+            <a:spLocks noGrp="1"/>
+          </p:cNvSpPr>
+          <p:nvPr>
+            <p:ph idx="1"/>
+          </p:nvPr>
+        </p:nvSpPr>
+        <p:spPr/>
+        <p:txBody>
+          <a:bodyPr/>
+          <a:lstStyle/>
+          <a:p>
+            <a:endParaRPr lang="LID4096"/>
+          </a:p>
+        </p:txBody>
+      </p:sp>
+      <p:pic>
+        <p:nvPicPr>
+          <p:cNvPr id="4" name="Picture 3">
+            <a:extLst>
+              <a:ext uri="{FF2B5EF4-FFF2-40B4-BE49-F238E27FC236}">
+                <a16:creationId xmlns:a16="http://schemas.microsoft.com/office/drawing/2014/main" id="{74AA7A63-4A67-4D3C-B282-8F0281DAEB1A}"/>
+              </a:ext>
+            </a:extLst>
+          </p:cNvPr>
+          <p:cNvPicPr>
+            <a:picLocks noChangeAspect="1"/>
+          </p:cNvPicPr>
+          <p:nvPr/>
+        </p:nvPicPr>
+        <p:blipFill>
+          <a:blip r:embed="rId2"/>
+          <a:stretch>
+            <a:fillRect/>
+          </a:stretch>
+        </p:blipFill>
+        <p:spPr>
+          <a:xfrm>
+            <a:off x="2337863" y="3058852"/>
+            <a:ext cx="7516274" cy="1162212"/>
+          </a:xfrm>
+          <a:prstGeom prst="rect">
+            <a:avLst/>
+          </a:prstGeom>
+        </p:spPr>
+      </p:pic>
+    </p:spTree>
+    <p:extLst>
+      <p:ext uri="{BB962C8B-B14F-4D97-AF65-F5344CB8AC3E}">
+        <p14:creationId xmlns:p14="http://schemas.microsoft.com/office/powerpoint/2010/main" val="2122735881"/>
       </p:ext>
     </p:extLst>
   </p:cSld>
